--- a/report/lab4/第四阶段_邓龙.pptx
+++ b/report/lab4/第四阶段_邓龙.pptx
@@ -7,6 +7,16 @@
   <p:sldIdLst>
     <p:sldId id="256" r:id="rId2"/>
     <p:sldId id="257" r:id="rId3"/>
+    <p:sldId id="258" r:id="rId4"/>
+    <p:sldId id="259" r:id="rId5"/>
+    <p:sldId id="260" r:id="rId6"/>
+    <p:sldId id="261" r:id="rId7"/>
+    <p:sldId id="262" r:id="rId8"/>
+    <p:sldId id="263" r:id="rId9"/>
+    <p:sldId id="264" r:id="rId10"/>
+    <p:sldId id="265" r:id="rId11"/>
+    <p:sldId id="266" r:id="rId12"/>
+    <p:sldId id="267" r:id="rId13"/>
   </p:sldIdLst>
   <p:sldSz cx="12192000" cy="6858000"/>
   <p:notesSz cx="6858000" cy="9144000"/>
@@ -105,6 +115,11 @@
       </a:defRPr>
     </a:lvl9pPr>
   </p:defaultTextStyle>
+  <p:extLst>
+    <p:ext uri="{EFAFB233-063F-42B5-8137-9DF3F51BA10A}">
+      <p15:sldGuideLst xmlns:p15="http://schemas.microsoft.com/office/powerpoint/2012/main"/>
+    </p:ext>
+  </p:extLst>
 </p:presentation>
 </file>
 
@@ -3036,6 +3051,589 @@
 </p:sld>
 </file>
 
+<file path=ppt/slides/slide10.xml><?xml version="1.0" encoding="utf-8"?>
+<p:sld xmlns:a="http://schemas.openxmlformats.org/drawingml/2006/main" xmlns:r="http://schemas.openxmlformats.org/officeDocument/2006/relationships" xmlns:p="http://schemas.openxmlformats.org/presentationml/2006/main">
+  <p:cSld>
+    <p:spTree>
+      <p:nvGrpSpPr>
+        <p:cNvPr id="1" name=""/>
+        <p:cNvGrpSpPr/>
+        <p:nvPr/>
+      </p:nvGrpSpPr>
+      <p:grpSpPr>
+        <a:xfrm>
+          <a:off x="0" y="0"/>
+          <a:ext cx="0" cy="0"/>
+          <a:chOff x="0" y="0"/>
+          <a:chExt cx="0" cy="0"/>
+        </a:xfrm>
+      </p:grpSpPr>
+      <p:sp>
+        <p:nvSpPr>
+          <p:cNvPr id="2" name="标题 1"/>
+          <p:cNvSpPr>
+            <a:spLocks noGrp="1"/>
+          </p:cNvSpPr>
+          <p:nvPr>
+            <p:ph type="title"/>
+          </p:nvPr>
+        </p:nvSpPr>
+        <p:spPr/>
+        <p:txBody>
+          <a:bodyPr/>
+          <a:lstStyle/>
+          <a:p>
+            <a:r>
+              <a:rPr lang="en-US" altLang="zh-CN" dirty="0"/>
+              <a:t>TX Retry and TX Pause</a:t>
+            </a:r>
+            <a:endParaRPr lang="zh-CN" altLang="en-US" dirty="0"/>
+          </a:p>
+        </p:txBody>
+      </p:sp>
+      <p:sp>
+        <p:nvSpPr>
+          <p:cNvPr id="3" name="内容占位符 2"/>
+          <p:cNvSpPr>
+            <a:spLocks noGrp="1"/>
+          </p:cNvSpPr>
+          <p:nvPr>
+            <p:ph idx="1"/>
+          </p:nvPr>
+        </p:nvSpPr>
+        <p:spPr/>
+        <p:txBody>
+          <a:bodyPr/>
+          <a:lstStyle/>
+          <a:p>
+            <a:r>
+              <a:rPr lang="zh-CN" altLang="en-US" dirty="0" smtClean="0"/>
+              <a:t>猜测原因：</a:t>
+            </a:r>
+            <a:endParaRPr lang="en-US" altLang="zh-CN" dirty="0"/>
+          </a:p>
+          <a:p>
+            <a:pPr lvl="1"/>
+            <a:r>
+              <a:rPr lang="en-US" altLang="zh-CN" dirty="0" smtClean="0"/>
+              <a:t>TX</a:t>
+            </a:r>
+            <a:r>
+              <a:rPr lang="zh-CN" altLang="en-US" dirty="0" smtClean="0"/>
+              <a:t>高并发的收到包，导致网卡来不及发送。</a:t>
+            </a:r>
+            <a:endParaRPr lang="en-US" altLang="zh-CN" dirty="0" smtClean="0"/>
+          </a:p>
+          <a:p>
+            <a:endParaRPr lang="en-US" altLang="zh-CN" dirty="0"/>
+          </a:p>
+          <a:p>
+            <a:r>
+              <a:rPr lang="zh-CN" altLang="en-US" dirty="0" smtClean="0"/>
+              <a:t>解决方案</a:t>
+            </a:r>
+            <a:endParaRPr lang="en-US" altLang="zh-CN" dirty="0" smtClean="0"/>
+          </a:p>
+          <a:p>
+            <a:pPr lvl="1"/>
+            <a:r>
+              <a:rPr lang="zh-CN" altLang="en-US" dirty="0" smtClean="0"/>
+              <a:t>缓冲区未满，发送失败的包可以尝试再次发送。（</a:t>
+            </a:r>
+            <a:r>
+              <a:rPr lang="en-US" altLang="zh-CN" dirty="0" smtClean="0"/>
+              <a:t>Retry</a:t>
+            </a:r>
+            <a:r>
+              <a:rPr lang="zh-CN" altLang="en-US" dirty="0" smtClean="0"/>
+              <a:t>）</a:t>
+            </a:r>
+            <a:endParaRPr lang="en-US" altLang="zh-CN" dirty="0"/>
+          </a:p>
+          <a:p>
+            <a:pPr lvl="1"/>
+            <a:r>
+              <a:rPr lang="zh-CN" altLang="en-US" dirty="0" smtClean="0"/>
+              <a:t>性能达到</a:t>
+            </a:r>
+            <a:r>
+              <a:rPr lang="en-US" altLang="zh-CN" dirty="0" smtClean="0"/>
+              <a:t>100k/100k </a:t>
+            </a:r>
+            <a:r>
+              <a:rPr lang="en-US" altLang="zh-CN" dirty="0" err="1" smtClean="0"/>
+              <a:t>pkts</a:t>
+            </a:r>
+            <a:r>
+              <a:rPr lang="en-US" altLang="zh-CN" dirty="0" smtClean="0"/>
+              <a:t>, 350k </a:t>
+            </a:r>
+            <a:r>
+              <a:rPr lang="en-US" altLang="zh-CN" dirty="0" err="1" smtClean="0"/>
+              <a:t>pkts</a:t>
+            </a:r>
+            <a:r>
+              <a:rPr lang="en-US" altLang="zh-CN" dirty="0" smtClean="0"/>
+              <a:t> drop</a:t>
+            </a:r>
+            <a:r>
+              <a:rPr lang="zh-CN" altLang="en-US" dirty="0" smtClean="0"/>
+              <a:t>。丢包率很高，平均每个包重试</a:t>
+            </a:r>
+            <a:r>
+              <a:rPr lang="en-US" altLang="zh-CN" dirty="0" smtClean="0"/>
+              <a:t>3</a:t>
+            </a:r>
+            <a:r>
+              <a:rPr lang="zh-CN" altLang="en-US" dirty="0" smtClean="0"/>
+              <a:t>次以上。</a:t>
+            </a:r>
+            <a:endParaRPr lang="en-US" altLang="zh-CN" dirty="0" smtClean="0"/>
+          </a:p>
+          <a:p>
+            <a:pPr lvl="1"/>
+            <a:endParaRPr lang="en-US" altLang="zh-CN" dirty="0"/>
+          </a:p>
+          <a:p>
+            <a:pPr lvl="1"/>
+            <a:r>
+              <a:rPr lang="zh-CN" altLang="en-US" dirty="0" smtClean="0"/>
+              <a:t>失败时使用</a:t>
+            </a:r>
+            <a:r>
+              <a:rPr lang="en-US" altLang="zh-CN" dirty="0" err="1" smtClean="0"/>
+              <a:t>rte_pause</a:t>
+            </a:r>
+            <a:r>
+              <a:rPr lang="zh-CN" altLang="en-US" dirty="0" smtClean="0"/>
+              <a:t>暂停</a:t>
+            </a:r>
+            <a:r>
+              <a:rPr lang="en-US" altLang="zh-CN" dirty="0" smtClean="0"/>
+              <a:t>CPU</a:t>
+            </a:r>
+            <a:r>
+              <a:rPr lang="zh-CN" altLang="en-US" dirty="0" smtClean="0"/>
+              <a:t>，减少无效重发。</a:t>
+            </a:r>
+            <a:endParaRPr lang="en-US" altLang="zh-CN" dirty="0" smtClean="0"/>
+          </a:p>
+          <a:p>
+            <a:pPr lvl="1"/>
+            <a:r>
+              <a:rPr lang="zh-CN" altLang="en-US" dirty="0" smtClean="0"/>
+              <a:t>丢包次数减少到</a:t>
+            </a:r>
+            <a:r>
+              <a:rPr lang="en-US" altLang="zh-CN" dirty="0" smtClean="0"/>
+              <a:t>1k</a:t>
+            </a:r>
+            <a:r>
+              <a:rPr lang="zh-CN" altLang="en-US" dirty="0" smtClean="0"/>
+              <a:t>左右，性能仍然达到</a:t>
+            </a:r>
+            <a:r>
+              <a:rPr lang="en-US" altLang="zh-CN" dirty="0" smtClean="0"/>
+              <a:t>100k/100k</a:t>
+            </a:r>
+            <a:r>
+              <a:rPr lang="zh-CN" altLang="en-US" dirty="0" smtClean="0"/>
+              <a:t>。</a:t>
+            </a:r>
+            <a:endParaRPr lang="en-US" altLang="zh-CN" dirty="0" smtClean="0"/>
+          </a:p>
+        </p:txBody>
+      </p:sp>
+    </p:spTree>
+    <p:extLst>
+      <p:ext uri="{BB962C8B-B14F-4D97-AF65-F5344CB8AC3E}">
+        <p14:creationId xmlns:p14="http://schemas.microsoft.com/office/powerpoint/2010/main" val="1036847743"/>
+      </p:ext>
+    </p:extLst>
+  </p:cSld>
+  <p:clrMapOvr>
+    <a:masterClrMapping/>
+  </p:clrMapOvr>
+</p:sld>
+</file>
+
+<file path=ppt/slides/slide11.xml><?xml version="1.0" encoding="utf-8"?>
+<p:sld xmlns:a="http://schemas.openxmlformats.org/drawingml/2006/main" xmlns:r="http://schemas.openxmlformats.org/officeDocument/2006/relationships" xmlns:p="http://schemas.openxmlformats.org/presentationml/2006/main">
+  <p:cSld>
+    <p:spTree>
+      <p:nvGrpSpPr>
+        <p:cNvPr id="1" name=""/>
+        <p:cNvGrpSpPr/>
+        <p:nvPr/>
+      </p:nvGrpSpPr>
+      <p:grpSpPr>
+        <a:xfrm>
+          <a:off x="0" y="0"/>
+          <a:ext cx="0" cy="0"/>
+          <a:chOff x="0" y="0"/>
+          <a:chExt cx="0" cy="0"/>
+        </a:xfrm>
+      </p:grpSpPr>
+      <p:sp>
+        <p:nvSpPr>
+          <p:cNvPr id="2" name="标题 1"/>
+          <p:cNvSpPr>
+            <a:spLocks noGrp="1"/>
+          </p:cNvSpPr>
+          <p:nvPr>
+            <p:ph type="title"/>
+          </p:nvPr>
+        </p:nvSpPr>
+        <p:spPr/>
+        <p:txBody>
+          <a:bodyPr/>
+          <a:lstStyle/>
+          <a:p>
+            <a:r>
+              <a:rPr lang="en-US" altLang="zh-CN" dirty="0"/>
+              <a:t>TX Retry and TX Pause</a:t>
+            </a:r>
+            <a:endParaRPr lang="zh-CN" altLang="en-US" dirty="0"/>
+          </a:p>
+        </p:txBody>
+      </p:sp>
+      <p:sp>
+        <p:nvSpPr>
+          <p:cNvPr id="3" name="内容占位符 2"/>
+          <p:cNvSpPr>
+            <a:spLocks noGrp="1"/>
+          </p:cNvSpPr>
+          <p:nvPr>
+            <p:ph idx="1"/>
+          </p:nvPr>
+        </p:nvSpPr>
+        <p:spPr/>
+        <p:txBody>
+          <a:bodyPr/>
+          <a:lstStyle/>
+          <a:p>
+            <a:r>
+              <a:rPr lang="zh-CN" altLang="en-US" dirty="0" smtClean="0"/>
+              <a:t>性能测试</a:t>
+            </a:r>
+            <a:endParaRPr lang="en-US" altLang="zh-CN" dirty="0" smtClean="0"/>
+          </a:p>
+          <a:p>
+            <a:pPr lvl="1"/>
+            <a:r>
+              <a:rPr lang="en-US" altLang="zh-CN" dirty="0" smtClean="0"/>
+              <a:t>send 1M </a:t>
+            </a:r>
+            <a:r>
+              <a:rPr lang="en-US" altLang="zh-CN" dirty="0" err="1" smtClean="0"/>
+              <a:t>pkts</a:t>
+            </a:r>
+            <a:endParaRPr lang="en-US" altLang="zh-CN" dirty="0" smtClean="0"/>
+          </a:p>
+          <a:p>
+            <a:pPr lvl="1"/>
+            <a:r>
+              <a:rPr lang="en-US" altLang="zh-CN" dirty="0" smtClean="0"/>
+              <a:t>RX</a:t>
+            </a:r>
+            <a:r>
+              <a:rPr lang="zh-CN" altLang="en-US" dirty="0" smtClean="0"/>
+              <a:t>：</a:t>
+            </a:r>
+            <a:r>
+              <a:rPr lang="en-US" altLang="zh-CN" dirty="0" smtClean="0"/>
+              <a:t>get 1M</a:t>
+            </a:r>
+            <a:r>
+              <a:rPr lang="zh-CN" altLang="en-US" dirty="0" smtClean="0"/>
+              <a:t>，</a:t>
+            </a:r>
+            <a:r>
+              <a:rPr lang="en-US" altLang="zh-CN" dirty="0" smtClean="0"/>
+              <a:t>drop 0</a:t>
+            </a:r>
+          </a:p>
+          <a:p>
+            <a:pPr lvl="1"/>
+            <a:r>
+              <a:rPr lang="en-US" altLang="zh-CN" dirty="0" smtClean="0"/>
+              <a:t>Worker</a:t>
+            </a:r>
+            <a:r>
+              <a:rPr lang="zh-CN" altLang="en-US" dirty="0" smtClean="0"/>
+              <a:t>：</a:t>
+            </a:r>
+            <a:r>
+              <a:rPr lang="en-US" altLang="zh-CN" dirty="0" smtClean="0"/>
+              <a:t>get 1M</a:t>
+            </a:r>
+            <a:r>
+              <a:rPr lang="zh-CN" altLang="en-US" dirty="0" smtClean="0"/>
+              <a:t>，</a:t>
+            </a:r>
+            <a:r>
+              <a:rPr lang="en-US" altLang="zh-CN" dirty="0" smtClean="0"/>
+              <a:t>drop 150k</a:t>
+            </a:r>
+          </a:p>
+          <a:p>
+            <a:pPr lvl="1"/>
+            <a:r>
+              <a:rPr lang="en-US" altLang="zh-CN" dirty="0" smtClean="0"/>
+              <a:t>TX</a:t>
+            </a:r>
+            <a:r>
+              <a:rPr lang="zh-CN" altLang="en-US" dirty="0" smtClean="0"/>
+              <a:t>：</a:t>
+            </a:r>
+            <a:r>
+              <a:rPr lang="en-US" altLang="zh-CN" dirty="0" smtClean="0"/>
+              <a:t>get 850k</a:t>
+            </a:r>
+            <a:r>
+              <a:rPr lang="zh-CN" altLang="en-US" dirty="0" smtClean="0"/>
+              <a:t>，</a:t>
+            </a:r>
+            <a:r>
+              <a:rPr lang="en-US" altLang="zh-CN" dirty="0" smtClean="0"/>
+              <a:t>drop 0</a:t>
+            </a:r>
+          </a:p>
+          <a:p>
+            <a:endParaRPr lang="en-US" altLang="zh-CN" dirty="0"/>
+          </a:p>
+          <a:p>
+            <a:r>
+              <a:rPr lang="zh-CN" altLang="en-US" dirty="0" smtClean="0"/>
+              <a:t>瓶颈在</a:t>
+            </a:r>
+            <a:r>
+              <a:rPr lang="en-US" altLang="zh-CN" dirty="0" smtClean="0"/>
+              <a:t>TX</a:t>
+            </a:r>
+            <a:r>
+              <a:rPr lang="zh-CN" altLang="en-US" dirty="0" smtClean="0"/>
+              <a:t>上。但增大</a:t>
+            </a:r>
+            <a:r>
+              <a:rPr lang="en-US" altLang="zh-CN" dirty="0" err="1" smtClean="0"/>
+              <a:t>TX_ring</a:t>
+            </a:r>
+            <a:r>
+              <a:rPr lang="zh-CN" altLang="en-US" dirty="0" smtClean="0"/>
+              <a:t>效果也并不明显。</a:t>
+            </a:r>
+            <a:endParaRPr lang="en-US" altLang="zh-CN" dirty="0" smtClean="0"/>
+          </a:p>
+          <a:p>
+            <a:r>
+              <a:rPr lang="zh-CN" altLang="en-US" dirty="0" smtClean="0"/>
+              <a:t>考虑带宽已满。</a:t>
+            </a:r>
+            <a:endParaRPr lang="zh-CN" altLang="en-US" dirty="0"/>
+          </a:p>
+        </p:txBody>
+      </p:sp>
+    </p:spTree>
+    <p:extLst>
+      <p:ext uri="{BB962C8B-B14F-4D97-AF65-F5344CB8AC3E}">
+        <p14:creationId xmlns:p14="http://schemas.microsoft.com/office/powerpoint/2010/main" val="2538585163"/>
+      </p:ext>
+    </p:extLst>
+  </p:cSld>
+  <p:clrMapOvr>
+    <a:masterClrMapping/>
+  </p:clrMapOvr>
+</p:sld>
+</file>
+
+<file path=ppt/slides/slide12.xml><?xml version="1.0" encoding="utf-8"?>
+<p:sld xmlns:a="http://schemas.openxmlformats.org/drawingml/2006/main" xmlns:r="http://schemas.openxmlformats.org/officeDocument/2006/relationships" xmlns:p="http://schemas.openxmlformats.org/presentationml/2006/main">
+  <p:cSld>
+    <p:spTree>
+      <p:nvGrpSpPr>
+        <p:cNvPr id="1" name=""/>
+        <p:cNvGrpSpPr/>
+        <p:nvPr/>
+      </p:nvGrpSpPr>
+      <p:grpSpPr>
+        <a:xfrm>
+          <a:off x="0" y="0"/>
+          <a:ext cx="0" cy="0"/>
+          <a:chOff x="0" y="0"/>
+          <a:chExt cx="0" cy="0"/>
+        </a:xfrm>
+      </p:grpSpPr>
+      <p:sp>
+        <p:nvSpPr>
+          <p:cNvPr id="2" name="标题 1"/>
+          <p:cNvSpPr>
+            <a:spLocks noGrp="1"/>
+          </p:cNvSpPr>
+          <p:nvPr>
+            <p:ph type="title"/>
+          </p:nvPr>
+        </p:nvSpPr>
+        <p:spPr/>
+        <p:txBody>
+          <a:bodyPr/>
+          <a:lstStyle/>
+          <a:p>
+            <a:r>
+              <a:rPr lang="en-US" altLang="zh-CN" dirty="0"/>
+              <a:t>TX Retry and TX Pause</a:t>
+            </a:r>
+            <a:endParaRPr lang="zh-CN" altLang="en-US" dirty="0"/>
+          </a:p>
+        </p:txBody>
+      </p:sp>
+      <p:sp>
+        <p:nvSpPr>
+          <p:cNvPr id="3" name="内容占位符 2"/>
+          <p:cNvSpPr>
+            <a:spLocks noGrp="1"/>
+          </p:cNvSpPr>
+          <p:nvPr>
+            <p:ph idx="1"/>
+          </p:nvPr>
+        </p:nvSpPr>
+        <p:spPr>
+          <a:xfrm>
+            <a:off x="838200" y="1825625"/>
+            <a:ext cx="4234314" cy="4351338"/>
+          </a:xfrm>
+        </p:spPr>
+        <p:txBody>
+          <a:bodyPr>
+            <a:normAutofit/>
+          </a:bodyPr>
+          <a:lstStyle/>
+          <a:p>
+            <a:r>
+              <a:rPr lang="zh-CN" altLang="en-US" dirty="0" smtClean="0"/>
+              <a:t>带宽测试：</a:t>
+            </a:r>
+            <a:endParaRPr lang="en-US" altLang="zh-CN" dirty="0" smtClean="0"/>
+          </a:p>
+          <a:p>
+            <a:pPr lvl="1"/>
+            <a:r>
+              <a:rPr lang="zh-CN" altLang="en-US" dirty="0" smtClean="0"/>
+              <a:t>使用</a:t>
+            </a:r>
+            <a:r>
+              <a:rPr lang="en-US" altLang="zh-CN" dirty="0" err="1" smtClean="0"/>
+              <a:t>pktgen</a:t>
+            </a:r>
+            <a:r>
+              <a:rPr lang="en-US" altLang="zh-CN" dirty="0" smtClean="0"/>
+              <a:t> –P</a:t>
+            </a:r>
+            <a:r>
+              <a:rPr lang="zh-CN" altLang="en-US" dirty="0" smtClean="0"/>
+              <a:t>参数，开启混杂模式，可看到接收带宽。</a:t>
+            </a:r>
+            <a:endParaRPr lang="en-US" altLang="zh-CN" dirty="0" smtClean="0"/>
+          </a:p>
+          <a:p>
+            <a:pPr lvl="1"/>
+            <a:r>
+              <a:rPr lang="en-US" altLang="zh-CN" dirty="0" err="1" smtClean="0"/>
+              <a:t>MBits</a:t>
+            </a:r>
+            <a:r>
+              <a:rPr lang="en-US" altLang="zh-CN" dirty="0" smtClean="0"/>
+              <a:t>/s Rx/</a:t>
+            </a:r>
+            <a:r>
+              <a:rPr lang="en-US" altLang="zh-CN" dirty="0" err="1" smtClean="0"/>
+              <a:t>Tx</a:t>
+            </a:r>
+            <a:endParaRPr lang="en-US" altLang="zh-CN" dirty="0" smtClean="0"/>
+          </a:p>
+          <a:p>
+            <a:pPr lvl="1"/>
+            <a:r>
+              <a:rPr lang="en-US" altLang="zh-CN" dirty="0" smtClean="0"/>
+              <a:t>10045/9824</a:t>
+            </a:r>
+          </a:p>
+          <a:p>
+            <a:pPr lvl="1"/>
+            <a:endParaRPr lang="en-US" altLang="zh-CN" dirty="0"/>
+          </a:p>
+          <a:p>
+            <a:r>
+              <a:rPr lang="zh-CN" altLang="en-US" dirty="0" smtClean="0"/>
+              <a:t>达到物理带宽极限。</a:t>
+            </a:r>
+            <a:endParaRPr lang="en-US" altLang="zh-CN" dirty="0" smtClean="0"/>
+          </a:p>
+          <a:p>
+            <a:r>
+              <a:rPr lang="zh-CN" altLang="en-US" dirty="0" smtClean="0"/>
+              <a:t>由于应答包比查询包大，满负荷必然丢包。</a:t>
+            </a:r>
+            <a:endParaRPr lang="en-US" altLang="zh-CN" dirty="0"/>
+          </a:p>
+        </p:txBody>
+      </p:sp>
+      <p:pic>
+        <p:nvPicPr>
+          <p:cNvPr id="4" name="图片 3"/>
+          <p:cNvPicPr>
+            <a:picLocks noChangeAspect="1"/>
+          </p:cNvPicPr>
+          <p:nvPr/>
+        </p:nvPicPr>
+        <p:blipFill rotWithShape="1">
+          <a:blip r:embed="rId2">
+            <a:extLst>
+              <a:ext uri="{28A0092B-C50C-407E-A947-70E740481C1C}">
+                <a14:useLocalDpi xmlns:a14="http://schemas.microsoft.com/office/drawing/2010/main" val="0"/>
+              </a:ext>
+            </a:extLst>
+          </a:blip>
+          <a:srcRect b="10196"/>
+          <a:stretch/>
+        </p:blipFill>
+        <p:spPr>
+          <a:xfrm>
+            <a:off x="5197669" y="1482291"/>
+            <a:ext cx="6676697" cy="6189044"/>
+          </a:xfrm>
+          <a:prstGeom prst="rect">
+            <a:avLst/>
+          </a:prstGeom>
+          <a:ln w="38100" cap="sq">
+            <a:solidFill>
+              <a:srgbClr val="000000"/>
+            </a:solidFill>
+            <a:prstDash val="solid"/>
+            <a:miter lim="800000"/>
+          </a:ln>
+          <a:effectLst>
+            <a:outerShdw blurRad="50800" dist="38100" dir="2700000" algn="tl" rotWithShape="0">
+              <a:srgbClr val="000000">
+                <a:alpha val="43000"/>
+              </a:srgbClr>
+            </a:outerShdw>
+          </a:effectLst>
+        </p:spPr>
+      </p:pic>
+    </p:spTree>
+    <p:extLst>
+      <p:ext uri="{BB962C8B-B14F-4D97-AF65-F5344CB8AC3E}">
+        <p14:creationId xmlns:p14="http://schemas.microsoft.com/office/powerpoint/2010/main" val="3600460682"/>
+      </p:ext>
+    </p:extLst>
+  </p:cSld>
+  <p:clrMapOvr>
+    <a:masterClrMapping/>
+  </p:clrMapOvr>
+</p:sld>
+</file>
+
 <file path=ppt/slides/slide2.xml><?xml version="1.0" encoding="utf-8"?>
 <p:sld xmlns:a="http://schemas.openxmlformats.org/drawingml/2006/main" xmlns:r="http://schemas.openxmlformats.org/officeDocument/2006/relationships" xmlns:p="http://schemas.openxmlformats.org/presentationml/2006/main">
   <p:cSld>
@@ -3068,6 +3666,10 @@
           <a:bodyPr/>
           <a:lstStyle/>
           <a:p>
+            <a:r>
+              <a:rPr lang="zh-CN" altLang="en-US" dirty="0"/>
+              <a:t>目录</a:t>
+            </a:r>
             <a:endParaRPr lang="zh-CN" altLang="en-US" dirty="0"/>
           </a:p>
         </p:txBody>
@@ -3087,7 +3689,33 @@
           <a:bodyPr/>
           <a:lstStyle/>
           <a:p>
-            <a:endParaRPr lang="zh-CN" altLang="en-US"/>
+            <a:r>
+              <a:rPr lang="en-US" altLang="zh-CN" dirty="0" smtClean="0"/>
+              <a:t>Distributor</a:t>
+            </a:r>
+          </a:p>
+          <a:p>
+            <a:r>
+              <a:rPr lang="en-US" altLang="zh-CN" dirty="0"/>
+              <a:t>Multiple Producers/Consumers </a:t>
+            </a:r>
+            <a:r>
+              <a:rPr lang="en-US" altLang="zh-CN" dirty="0" smtClean="0"/>
+              <a:t>Ring</a:t>
+            </a:r>
+          </a:p>
+          <a:p>
+            <a:r>
+              <a:rPr lang="en-US" altLang="zh-CN" dirty="0" smtClean="0"/>
+              <a:t>Multiple RX/TX</a:t>
+            </a:r>
+          </a:p>
+          <a:p>
+            <a:r>
+              <a:rPr lang="en-US" altLang="zh-CN" dirty="0" smtClean="0"/>
+              <a:t>TX Retry and TX Pause</a:t>
+            </a:r>
+            <a:endParaRPr lang="zh-CN" altLang="en-US" dirty="0"/>
           </a:p>
         </p:txBody>
       </p:sp>
@@ -3095,6 +3723,3028 @@
     <p:extLst>
       <p:ext uri="{BB962C8B-B14F-4D97-AF65-F5344CB8AC3E}">
         <p14:creationId xmlns:p14="http://schemas.microsoft.com/office/powerpoint/2010/main" val="4070452542"/>
+      </p:ext>
+    </p:extLst>
+  </p:cSld>
+  <p:clrMapOvr>
+    <a:masterClrMapping/>
+  </p:clrMapOvr>
+</p:sld>
+</file>
+
+<file path=ppt/slides/slide3.xml><?xml version="1.0" encoding="utf-8"?>
+<p:sld xmlns:a="http://schemas.openxmlformats.org/drawingml/2006/main" xmlns:r="http://schemas.openxmlformats.org/officeDocument/2006/relationships" xmlns:p="http://schemas.openxmlformats.org/presentationml/2006/main">
+  <p:cSld>
+    <p:spTree>
+      <p:nvGrpSpPr>
+        <p:cNvPr id="1" name=""/>
+        <p:cNvGrpSpPr/>
+        <p:nvPr/>
+      </p:nvGrpSpPr>
+      <p:grpSpPr>
+        <a:xfrm>
+          <a:off x="0" y="0"/>
+          <a:ext cx="0" cy="0"/>
+          <a:chOff x="0" y="0"/>
+          <a:chExt cx="0" cy="0"/>
+        </a:xfrm>
+      </p:grpSpPr>
+      <p:sp>
+        <p:nvSpPr>
+          <p:cNvPr id="2" name="标题 1"/>
+          <p:cNvSpPr>
+            <a:spLocks noGrp="1"/>
+          </p:cNvSpPr>
+          <p:nvPr>
+            <p:ph type="title"/>
+          </p:nvPr>
+        </p:nvSpPr>
+        <p:spPr/>
+        <p:txBody>
+          <a:bodyPr/>
+          <a:lstStyle/>
+          <a:p>
+            <a:r>
+              <a:rPr lang="en-US" altLang="zh-CN" dirty="0" smtClean="0"/>
+              <a:t>Distributor</a:t>
+            </a:r>
+            <a:endParaRPr lang="zh-CN" altLang="en-US" dirty="0"/>
+          </a:p>
+        </p:txBody>
+      </p:sp>
+      <p:pic>
+        <p:nvPicPr>
+          <p:cNvPr id="10" name="内容占位符 9"/>
+          <p:cNvPicPr>
+            <a:picLocks noGrp="1" noChangeAspect="1"/>
+          </p:cNvPicPr>
+          <p:nvPr>
+            <p:ph idx="1"/>
+          </p:nvPr>
+        </p:nvPicPr>
+        <p:blipFill>
+          <a:blip r:embed="rId2"/>
+          <a:stretch>
+            <a:fillRect/>
+          </a:stretch>
+        </p:blipFill>
+        <p:spPr>
+          <a:xfrm>
+            <a:off x="838200" y="1421365"/>
+            <a:ext cx="7231140" cy="5130280"/>
+          </a:xfrm>
+          <a:prstGeom prst="rect">
+            <a:avLst/>
+          </a:prstGeom>
+        </p:spPr>
+      </p:pic>
+    </p:spTree>
+    <p:extLst>
+      <p:ext uri="{BB962C8B-B14F-4D97-AF65-F5344CB8AC3E}">
+        <p14:creationId xmlns:p14="http://schemas.microsoft.com/office/powerpoint/2010/main" val="2711542381"/>
+      </p:ext>
+    </p:extLst>
+  </p:cSld>
+  <p:clrMapOvr>
+    <a:masterClrMapping/>
+  </p:clrMapOvr>
+</p:sld>
+</file>
+
+<file path=ppt/slides/slide4.xml><?xml version="1.0" encoding="utf-8"?>
+<p:sld xmlns:a="http://schemas.openxmlformats.org/drawingml/2006/main" xmlns:r="http://schemas.openxmlformats.org/officeDocument/2006/relationships" xmlns:p="http://schemas.openxmlformats.org/presentationml/2006/main">
+  <p:cSld>
+    <p:spTree>
+      <p:nvGrpSpPr>
+        <p:cNvPr id="1" name=""/>
+        <p:cNvGrpSpPr/>
+        <p:nvPr/>
+      </p:nvGrpSpPr>
+      <p:grpSpPr>
+        <a:xfrm>
+          <a:off x="0" y="0"/>
+          <a:ext cx="0" cy="0"/>
+          <a:chOff x="0" y="0"/>
+          <a:chExt cx="0" cy="0"/>
+        </a:xfrm>
+      </p:grpSpPr>
+      <p:sp>
+        <p:nvSpPr>
+          <p:cNvPr id="2" name="标题 1"/>
+          <p:cNvSpPr>
+            <a:spLocks noGrp="1"/>
+          </p:cNvSpPr>
+          <p:nvPr>
+            <p:ph type="title"/>
+          </p:nvPr>
+        </p:nvSpPr>
+        <p:spPr/>
+        <p:txBody>
+          <a:bodyPr/>
+          <a:lstStyle/>
+          <a:p>
+            <a:r>
+              <a:rPr lang="en-US" altLang="zh-CN" dirty="0"/>
+              <a:t>Multiple Producers/Consumers Ring</a:t>
+            </a:r>
+          </a:p>
+        </p:txBody>
+      </p:sp>
+      <p:sp>
+        <p:nvSpPr>
+          <p:cNvPr id="3" name="内容占位符 2"/>
+          <p:cNvSpPr>
+            <a:spLocks noGrp="1"/>
+          </p:cNvSpPr>
+          <p:nvPr>
+            <p:ph idx="1"/>
+          </p:nvPr>
+        </p:nvSpPr>
+        <p:spPr>
+          <a:xfrm>
+            <a:off x="838200" y="1825625"/>
+            <a:ext cx="10515600" cy="3670400"/>
+          </a:xfrm>
+        </p:spPr>
+        <p:txBody>
+          <a:bodyPr/>
+          <a:lstStyle/>
+          <a:p>
+            <a:r>
+              <a:rPr lang="en-US" altLang="zh-CN" dirty="0" err="1" smtClean="0"/>
+              <a:t>rte_ring</a:t>
+            </a:r>
+            <a:r>
+              <a:rPr lang="zh-CN" altLang="en-US" dirty="0" smtClean="0"/>
+              <a:t>结构，实现了无锁环形队列。</a:t>
+            </a:r>
+            <a:endParaRPr lang="en-US" altLang="zh-CN" dirty="0" smtClean="0"/>
+          </a:p>
+          <a:p>
+            <a:endParaRPr lang="en-US" altLang="zh-CN" dirty="0"/>
+          </a:p>
+          <a:p>
+            <a:pPr lvl="1"/>
+            <a:r>
+              <a:rPr lang="en-US" altLang="zh-CN" dirty="0" smtClean="0"/>
+              <a:t>RING_F_SP_ENQ</a:t>
+            </a:r>
+            <a:r>
+              <a:rPr lang="zh-CN" altLang="en-US" dirty="0" smtClean="0"/>
+              <a:t>：单生产者入列</a:t>
+            </a:r>
+            <a:endParaRPr lang="en-US" altLang="zh-CN" dirty="0" smtClean="0"/>
+          </a:p>
+          <a:p>
+            <a:pPr lvl="1"/>
+            <a:r>
+              <a:rPr lang="en-US" altLang="zh-CN" dirty="0" smtClean="0"/>
+              <a:t>RING_F_SC_DEQ</a:t>
+            </a:r>
+            <a:r>
+              <a:rPr lang="zh-CN" altLang="en-US" dirty="0" smtClean="0"/>
+              <a:t>：单消费者出列</a:t>
+            </a:r>
+            <a:endParaRPr lang="en-US" altLang="zh-CN" dirty="0" smtClean="0"/>
+          </a:p>
+          <a:p>
+            <a:pPr lvl="1"/>
+            <a:r>
+              <a:rPr lang="zh-CN" altLang="en-US" dirty="0" smtClean="0"/>
+              <a:t>不置</a:t>
+            </a:r>
+            <a:r>
+              <a:rPr lang="en-US" altLang="zh-CN" dirty="0" smtClean="0"/>
+              <a:t>flag</a:t>
+            </a:r>
+            <a:r>
+              <a:rPr lang="zh-CN" altLang="en-US" dirty="0" smtClean="0"/>
+              <a:t>即为多生产者多消费者，使用</a:t>
+            </a:r>
+            <a:r>
+              <a:rPr lang="en-US" altLang="zh-CN" dirty="0" smtClean="0"/>
+              <a:t>XCHG</a:t>
+            </a:r>
+            <a:r>
+              <a:rPr lang="zh-CN" altLang="en-US" dirty="0" smtClean="0"/>
+              <a:t>指令实现。</a:t>
+            </a:r>
+            <a:endParaRPr lang="en-US" altLang="zh-CN" dirty="0" smtClean="0"/>
+          </a:p>
+          <a:p>
+            <a:endParaRPr lang="en-US" altLang="zh-CN" dirty="0"/>
+          </a:p>
+          <a:p>
+            <a:pPr lvl="1"/>
+            <a:endParaRPr lang="en-US" altLang="zh-CN" dirty="0" smtClean="0"/>
+          </a:p>
+          <a:p>
+            <a:endParaRPr lang="en-US" altLang="zh-CN" dirty="0" smtClean="0"/>
+          </a:p>
+          <a:p>
+            <a:endParaRPr lang="zh-CN" altLang="en-US" dirty="0"/>
+          </a:p>
+        </p:txBody>
+      </p:sp>
+      <p:sp>
+        <p:nvSpPr>
+          <p:cNvPr id="4" name="矩形 3"/>
+          <p:cNvSpPr/>
+          <p:nvPr/>
+        </p:nvSpPr>
+        <p:spPr>
+          <a:xfrm>
+            <a:off x="1065197" y="2444816"/>
+            <a:ext cx="10398492" cy="369332"/>
+          </a:xfrm>
+          <a:prstGeom prst="rect">
+            <a:avLst/>
+          </a:prstGeom>
+        </p:spPr>
+        <p:txBody>
+          <a:bodyPr wrap="square">
+            <a:spAutoFit/>
+          </a:bodyPr>
+          <a:lstStyle/>
+          <a:p>
+            <a:r>
+              <a:rPr lang="en-US" altLang="zh-CN" dirty="0" err="1">
+                <a:solidFill>
+                  <a:srgbClr val="795E26"/>
+                </a:solidFill>
+                <a:latin typeface="Consolas" panose="020B0609020204030204" pitchFamily="49" charset="0"/>
+              </a:rPr>
+              <a:t>rte_ring_create</a:t>
+            </a:r>
+            <a:r>
+              <a:rPr lang="en-US" altLang="zh-CN" dirty="0">
+                <a:solidFill>
+                  <a:srgbClr val="000000"/>
+                </a:solidFill>
+                <a:latin typeface="Consolas" panose="020B0609020204030204" pitchFamily="49" charset="0"/>
+              </a:rPr>
+              <a:t>(</a:t>
+            </a:r>
+            <a:r>
+              <a:rPr lang="en-US" altLang="zh-CN" dirty="0">
+                <a:solidFill>
+                  <a:srgbClr val="A31515"/>
+                </a:solidFill>
+                <a:latin typeface="Consolas" panose="020B0609020204030204" pitchFamily="49" charset="0"/>
+              </a:rPr>
+              <a:t>"</a:t>
+            </a:r>
+            <a:r>
+              <a:rPr lang="en-US" altLang="zh-CN" dirty="0" err="1">
+                <a:solidFill>
+                  <a:srgbClr val="A31515"/>
+                </a:solidFill>
+                <a:latin typeface="Consolas" panose="020B0609020204030204" pitchFamily="49" charset="0"/>
+              </a:rPr>
+              <a:t>Input_ring</a:t>
+            </a:r>
+            <a:r>
+              <a:rPr lang="en-US" altLang="zh-CN" dirty="0">
+                <a:solidFill>
+                  <a:srgbClr val="A31515"/>
+                </a:solidFill>
+                <a:latin typeface="Consolas" panose="020B0609020204030204" pitchFamily="49" charset="0"/>
+              </a:rPr>
+              <a:t>"</a:t>
+            </a:r>
+            <a:r>
+              <a:rPr lang="en-US" altLang="zh-CN" dirty="0">
+                <a:solidFill>
+                  <a:srgbClr val="000000"/>
+                </a:solidFill>
+                <a:latin typeface="Consolas" panose="020B0609020204030204" pitchFamily="49" charset="0"/>
+              </a:rPr>
+              <a:t>, SCHED_RX_RING_SZ, </a:t>
+            </a:r>
+            <a:r>
+              <a:rPr lang="en-US" altLang="zh-CN" dirty="0" err="1">
+                <a:solidFill>
+                  <a:srgbClr val="795E26"/>
+                </a:solidFill>
+                <a:latin typeface="Consolas" panose="020B0609020204030204" pitchFamily="49" charset="0"/>
+              </a:rPr>
+              <a:t>rte_socket_id</a:t>
+            </a:r>
+            <a:r>
+              <a:rPr lang="en-US" altLang="zh-CN" dirty="0">
+                <a:solidFill>
+                  <a:srgbClr val="000000"/>
+                </a:solidFill>
+                <a:latin typeface="Consolas" panose="020B0609020204030204" pitchFamily="49" charset="0"/>
+              </a:rPr>
+              <a:t>(), RING_F_SP_ENQ);</a:t>
+            </a:r>
+            <a:endParaRPr lang="en-US" altLang="zh-CN" b="0" dirty="0">
+              <a:solidFill>
+                <a:srgbClr val="000000"/>
+              </a:solidFill>
+              <a:effectLst/>
+              <a:latin typeface="Consolas" panose="020B0609020204030204" pitchFamily="49" charset="0"/>
+            </a:endParaRPr>
+          </a:p>
+        </p:txBody>
+      </p:sp>
+      <p:sp>
+        <p:nvSpPr>
+          <p:cNvPr id="5" name="矩形 4"/>
+          <p:cNvSpPr/>
+          <p:nvPr/>
+        </p:nvSpPr>
+        <p:spPr>
+          <a:xfrm>
+            <a:off x="1065197" y="4058737"/>
+            <a:ext cx="9012454" cy="369332"/>
+          </a:xfrm>
+          <a:prstGeom prst="rect">
+            <a:avLst/>
+          </a:prstGeom>
+        </p:spPr>
+        <p:txBody>
+          <a:bodyPr wrap="square">
+            <a:spAutoFit/>
+          </a:bodyPr>
+          <a:lstStyle/>
+          <a:p>
+            <a:r>
+              <a:rPr lang="en-US" altLang="zh-CN" dirty="0" err="1">
+                <a:solidFill>
+                  <a:srgbClr val="795E26"/>
+                </a:solidFill>
+                <a:latin typeface="Consolas" panose="020B0609020204030204" pitchFamily="49" charset="0"/>
+              </a:rPr>
+              <a:t>rte_ring_enqueue_burst</a:t>
+            </a:r>
+            <a:r>
+              <a:rPr lang="en-US" altLang="zh-CN" dirty="0">
+                <a:solidFill>
+                  <a:srgbClr val="000000"/>
+                </a:solidFill>
+                <a:latin typeface="Consolas" panose="020B0609020204030204" pitchFamily="49" charset="0"/>
+              </a:rPr>
+              <a:t>(</a:t>
+            </a:r>
+            <a:r>
+              <a:rPr lang="en-US" altLang="zh-CN" dirty="0" err="1">
+                <a:solidFill>
+                  <a:srgbClr val="000000"/>
+                </a:solidFill>
+                <a:latin typeface="Consolas" panose="020B0609020204030204" pitchFamily="49" charset="0"/>
+              </a:rPr>
+              <a:t>out_ring</a:t>
+            </a:r>
+            <a:r>
+              <a:rPr lang="en-US" altLang="zh-CN" dirty="0">
+                <a:solidFill>
+                  <a:srgbClr val="000000"/>
+                </a:solidFill>
+                <a:latin typeface="Consolas" panose="020B0609020204030204" pitchFamily="49" charset="0"/>
+              </a:rPr>
+              <a:t>, (</a:t>
+            </a:r>
+            <a:r>
+              <a:rPr lang="en-US" altLang="zh-CN" dirty="0">
+                <a:solidFill>
+                  <a:srgbClr val="0000FF"/>
+                </a:solidFill>
+                <a:latin typeface="Consolas" panose="020B0609020204030204" pitchFamily="49" charset="0"/>
+              </a:rPr>
+              <a:t>void</a:t>
+            </a:r>
+            <a:r>
+              <a:rPr lang="en-US" altLang="zh-CN" dirty="0">
+                <a:solidFill>
+                  <a:srgbClr val="000000"/>
+                </a:solidFill>
+                <a:latin typeface="Consolas" panose="020B0609020204030204" pitchFamily="49" charset="0"/>
+              </a:rPr>
+              <a:t> *)</a:t>
+            </a:r>
+            <a:r>
+              <a:rPr lang="en-US" altLang="zh-CN" dirty="0" err="1">
+                <a:solidFill>
+                  <a:srgbClr val="000000"/>
+                </a:solidFill>
+                <a:latin typeface="Consolas" panose="020B0609020204030204" pitchFamily="49" charset="0"/>
+              </a:rPr>
+              <a:t>bufs</a:t>
+            </a:r>
+            <a:r>
+              <a:rPr lang="en-US" altLang="zh-CN" dirty="0">
+                <a:solidFill>
+                  <a:srgbClr val="000000"/>
+                </a:solidFill>
+                <a:latin typeface="Consolas" panose="020B0609020204030204" pitchFamily="49" charset="0"/>
+              </a:rPr>
+              <a:t>, </a:t>
+            </a:r>
+            <a:r>
+              <a:rPr lang="en-US" altLang="zh-CN" dirty="0" smtClean="0">
+                <a:solidFill>
+                  <a:srgbClr val="000000"/>
+                </a:solidFill>
+                <a:latin typeface="Consolas" panose="020B0609020204030204" pitchFamily="49" charset="0"/>
+              </a:rPr>
+              <a:t>BURST_SIZE,</a:t>
+            </a:r>
+            <a:r>
+              <a:rPr lang="en-US" altLang="zh-CN" dirty="0">
+                <a:solidFill>
+                  <a:srgbClr val="000000"/>
+                </a:solidFill>
+                <a:latin typeface="Consolas" panose="020B0609020204030204" pitchFamily="49" charset="0"/>
+              </a:rPr>
+              <a:t> </a:t>
+            </a:r>
+            <a:r>
+              <a:rPr lang="en-US" altLang="zh-CN" dirty="0">
+                <a:solidFill>
+                  <a:srgbClr val="0000FF"/>
+                </a:solidFill>
+                <a:latin typeface="Consolas" panose="020B0609020204030204" pitchFamily="49" charset="0"/>
+              </a:rPr>
+              <a:t>NULL</a:t>
+            </a:r>
+            <a:r>
+              <a:rPr lang="en-US" altLang="zh-CN" dirty="0">
+                <a:solidFill>
+                  <a:srgbClr val="000000"/>
+                </a:solidFill>
+                <a:latin typeface="Consolas" panose="020B0609020204030204" pitchFamily="49" charset="0"/>
+              </a:rPr>
+              <a:t>);</a:t>
+            </a:r>
+            <a:endParaRPr lang="en-US" altLang="zh-CN" b="0" dirty="0">
+              <a:solidFill>
+                <a:srgbClr val="000000"/>
+              </a:solidFill>
+              <a:effectLst/>
+              <a:latin typeface="Consolas" panose="020B0609020204030204" pitchFamily="49" charset="0"/>
+            </a:endParaRPr>
+          </a:p>
+        </p:txBody>
+      </p:sp>
+      <p:sp>
+        <p:nvSpPr>
+          <p:cNvPr id="6" name="矩形 5"/>
+          <p:cNvSpPr/>
+          <p:nvPr/>
+        </p:nvSpPr>
+        <p:spPr>
+          <a:xfrm>
+            <a:off x="1065197" y="4572695"/>
+            <a:ext cx="9609220" cy="369332"/>
+          </a:xfrm>
+          <a:prstGeom prst="rect">
+            <a:avLst/>
+          </a:prstGeom>
+        </p:spPr>
+        <p:txBody>
+          <a:bodyPr wrap="square">
+            <a:spAutoFit/>
+          </a:bodyPr>
+          <a:lstStyle/>
+          <a:p>
+            <a:r>
+              <a:rPr lang="en-US" altLang="zh-CN" dirty="0" err="1">
+                <a:solidFill>
+                  <a:srgbClr val="795E26"/>
+                </a:solidFill>
+                <a:latin typeface="Consolas" panose="020B0609020204030204" pitchFamily="49" charset="0"/>
+              </a:rPr>
+              <a:t>rte_ring_dequeue_burst</a:t>
+            </a:r>
+            <a:r>
+              <a:rPr lang="en-US" altLang="zh-CN" dirty="0">
+                <a:solidFill>
+                  <a:srgbClr val="000000"/>
+                </a:solidFill>
+                <a:latin typeface="Consolas" panose="020B0609020204030204" pitchFamily="49" charset="0"/>
+              </a:rPr>
+              <a:t>(</a:t>
+            </a:r>
+            <a:r>
+              <a:rPr lang="en-US" altLang="zh-CN" dirty="0" err="1">
+                <a:solidFill>
+                  <a:srgbClr val="000000"/>
+                </a:solidFill>
+                <a:latin typeface="Consolas" panose="020B0609020204030204" pitchFamily="49" charset="0"/>
+              </a:rPr>
+              <a:t>worker_tx_ring</a:t>
+            </a:r>
+            <a:r>
+              <a:rPr lang="en-US" altLang="zh-CN" dirty="0" smtClean="0">
+                <a:solidFill>
+                  <a:srgbClr val="000000"/>
+                </a:solidFill>
+                <a:latin typeface="Consolas" panose="020B0609020204030204" pitchFamily="49" charset="0"/>
+              </a:rPr>
+              <a:t>, (</a:t>
+            </a:r>
+            <a:r>
+              <a:rPr lang="en-US" altLang="zh-CN" dirty="0">
+                <a:solidFill>
+                  <a:srgbClr val="0000FF"/>
+                </a:solidFill>
+                <a:latin typeface="Consolas" panose="020B0609020204030204" pitchFamily="49" charset="0"/>
+              </a:rPr>
+              <a:t>void</a:t>
+            </a:r>
+            <a:r>
+              <a:rPr lang="en-US" altLang="zh-CN" dirty="0">
+                <a:solidFill>
+                  <a:srgbClr val="000000"/>
+                </a:solidFill>
+                <a:latin typeface="Consolas" panose="020B0609020204030204" pitchFamily="49" charset="0"/>
+              </a:rPr>
+              <a:t> </a:t>
+            </a:r>
+            <a:r>
+              <a:rPr lang="en-US" altLang="zh-CN" dirty="0" smtClean="0">
+                <a:solidFill>
+                  <a:srgbClr val="000000"/>
+                </a:solidFill>
+                <a:latin typeface="Consolas" panose="020B0609020204030204" pitchFamily="49" charset="0"/>
+              </a:rPr>
+              <a:t>*)</a:t>
+            </a:r>
+            <a:r>
+              <a:rPr lang="en-US" altLang="zh-CN" dirty="0" err="1" smtClean="0">
+                <a:solidFill>
+                  <a:srgbClr val="000000"/>
+                </a:solidFill>
+                <a:latin typeface="Consolas" panose="020B0609020204030204" pitchFamily="49" charset="0"/>
+              </a:rPr>
+              <a:t>bufs</a:t>
+            </a:r>
+            <a:r>
+              <a:rPr lang="en-US" altLang="zh-CN" dirty="0" smtClean="0">
+                <a:solidFill>
+                  <a:srgbClr val="000000"/>
+                </a:solidFill>
+                <a:latin typeface="Consolas" panose="020B0609020204030204" pitchFamily="49" charset="0"/>
+              </a:rPr>
+              <a:t>, BURST_SIZE,</a:t>
+            </a:r>
+            <a:r>
+              <a:rPr lang="en-US" altLang="zh-CN" dirty="0">
+                <a:solidFill>
+                  <a:srgbClr val="000000"/>
+                </a:solidFill>
+                <a:latin typeface="Consolas" panose="020B0609020204030204" pitchFamily="49" charset="0"/>
+              </a:rPr>
+              <a:t> </a:t>
+            </a:r>
+            <a:r>
+              <a:rPr lang="en-US" altLang="zh-CN" dirty="0">
+                <a:solidFill>
+                  <a:srgbClr val="0000FF"/>
+                </a:solidFill>
+                <a:latin typeface="Consolas" panose="020B0609020204030204" pitchFamily="49" charset="0"/>
+              </a:rPr>
+              <a:t>NULL</a:t>
+            </a:r>
+            <a:r>
+              <a:rPr lang="en-US" altLang="zh-CN" dirty="0">
+                <a:solidFill>
+                  <a:srgbClr val="000000"/>
+                </a:solidFill>
+                <a:latin typeface="Consolas" panose="020B0609020204030204" pitchFamily="49" charset="0"/>
+              </a:rPr>
+              <a:t>);</a:t>
+            </a:r>
+            <a:endParaRPr lang="en-US" altLang="zh-CN" b="0" dirty="0">
+              <a:solidFill>
+                <a:srgbClr val="000000"/>
+              </a:solidFill>
+              <a:effectLst/>
+              <a:latin typeface="Consolas" panose="020B0609020204030204" pitchFamily="49" charset="0"/>
+            </a:endParaRPr>
+          </a:p>
+        </p:txBody>
+      </p:sp>
+    </p:spTree>
+    <p:extLst>
+      <p:ext uri="{BB962C8B-B14F-4D97-AF65-F5344CB8AC3E}">
+        <p14:creationId xmlns:p14="http://schemas.microsoft.com/office/powerpoint/2010/main" val="2361418643"/>
+      </p:ext>
+    </p:extLst>
+  </p:cSld>
+  <p:clrMapOvr>
+    <a:masterClrMapping/>
+  </p:clrMapOvr>
+</p:sld>
+</file>
+
+<file path=ppt/slides/slide5.xml><?xml version="1.0" encoding="utf-8"?>
+<p:sld xmlns:a="http://schemas.openxmlformats.org/drawingml/2006/main" xmlns:r="http://schemas.openxmlformats.org/officeDocument/2006/relationships" xmlns:p="http://schemas.openxmlformats.org/presentationml/2006/main">
+  <p:cSld>
+    <p:spTree>
+      <p:nvGrpSpPr>
+        <p:cNvPr id="1" name=""/>
+        <p:cNvGrpSpPr/>
+        <p:nvPr/>
+      </p:nvGrpSpPr>
+      <p:grpSpPr>
+        <a:xfrm>
+          <a:off x="0" y="0"/>
+          <a:ext cx="0" cy="0"/>
+          <a:chOff x="0" y="0"/>
+          <a:chExt cx="0" cy="0"/>
+        </a:xfrm>
+      </p:grpSpPr>
+      <p:sp>
+        <p:nvSpPr>
+          <p:cNvPr id="2" name="标题 1"/>
+          <p:cNvSpPr>
+            <a:spLocks noGrp="1"/>
+          </p:cNvSpPr>
+          <p:nvPr>
+            <p:ph type="title"/>
+          </p:nvPr>
+        </p:nvSpPr>
+        <p:spPr/>
+        <p:txBody>
+          <a:bodyPr/>
+          <a:lstStyle/>
+          <a:p>
+            <a:r>
+              <a:rPr lang="en-US" altLang="zh-CN" dirty="0"/>
+              <a:t>Multiple Producers/Consumers Ring</a:t>
+            </a:r>
+            <a:endParaRPr lang="zh-CN" altLang="en-US" dirty="0"/>
+          </a:p>
+        </p:txBody>
+      </p:sp>
+      <p:sp>
+        <p:nvSpPr>
+          <p:cNvPr id="4" name="矩形 3"/>
+          <p:cNvSpPr/>
+          <p:nvPr/>
+        </p:nvSpPr>
+        <p:spPr>
+          <a:xfrm>
+            <a:off x="1068404" y="2156058"/>
+            <a:ext cx="7334451" cy="1106905"/>
+          </a:xfrm>
+          <a:prstGeom prst="rect">
+            <a:avLst/>
+          </a:prstGeom>
+        </p:spPr>
+        <p:style>
+          <a:lnRef idx="2">
+            <a:schemeClr val="dk1"/>
+          </a:lnRef>
+          <a:fillRef idx="1">
+            <a:schemeClr val="lt1"/>
+          </a:fillRef>
+          <a:effectRef idx="0">
+            <a:schemeClr val="dk1"/>
+          </a:effectRef>
+          <a:fontRef idx="minor">
+            <a:schemeClr val="dk1"/>
+          </a:fontRef>
+        </p:style>
+        <p:txBody>
+          <a:bodyPr rtlCol="0" anchor="ctr"/>
+          <a:lstStyle/>
+          <a:p>
+            <a:pPr algn="ctr"/>
+            <a:r>
+              <a:rPr lang="en-US" altLang="zh-CN" dirty="0" smtClean="0"/>
+              <a:t>RX</a:t>
+            </a:r>
+          </a:p>
+          <a:p>
+            <a:pPr algn="ctr"/>
+            <a:endParaRPr lang="zh-CN" altLang="en-US" dirty="0"/>
+          </a:p>
+        </p:txBody>
+      </p:sp>
+      <p:sp>
+        <p:nvSpPr>
+          <p:cNvPr id="5" name="矩形 4"/>
+          <p:cNvSpPr/>
+          <p:nvPr/>
+        </p:nvSpPr>
+        <p:spPr>
+          <a:xfrm>
+            <a:off x="1068405" y="3753852"/>
+            <a:ext cx="1328287" cy="644893"/>
+          </a:xfrm>
+          <a:prstGeom prst="rect">
+            <a:avLst/>
+          </a:prstGeom>
+        </p:spPr>
+        <p:style>
+          <a:lnRef idx="2">
+            <a:schemeClr val="dk1"/>
+          </a:lnRef>
+          <a:fillRef idx="1">
+            <a:schemeClr val="lt1"/>
+          </a:fillRef>
+          <a:effectRef idx="0">
+            <a:schemeClr val="dk1"/>
+          </a:effectRef>
+          <a:fontRef idx="minor">
+            <a:schemeClr val="dk1"/>
+          </a:fontRef>
+        </p:style>
+        <p:txBody>
+          <a:bodyPr rtlCol="0" anchor="ctr"/>
+          <a:lstStyle/>
+          <a:p>
+            <a:pPr algn="ctr"/>
+            <a:r>
+              <a:rPr lang="en-US" altLang="zh-CN" dirty="0" smtClean="0"/>
+              <a:t>worker</a:t>
+            </a:r>
+            <a:endParaRPr lang="zh-CN" altLang="en-US" dirty="0"/>
+          </a:p>
+        </p:txBody>
+      </p:sp>
+      <p:sp>
+        <p:nvSpPr>
+          <p:cNvPr id="6" name="矩形 5"/>
+          <p:cNvSpPr/>
+          <p:nvPr/>
+        </p:nvSpPr>
+        <p:spPr>
+          <a:xfrm>
+            <a:off x="3070460" y="3753852"/>
+            <a:ext cx="1328287" cy="644893"/>
+          </a:xfrm>
+          <a:prstGeom prst="rect">
+            <a:avLst/>
+          </a:prstGeom>
+        </p:spPr>
+        <p:style>
+          <a:lnRef idx="2">
+            <a:schemeClr val="dk1"/>
+          </a:lnRef>
+          <a:fillRef idx="1">
+            <a:schemeClr val="lt1"/>
+          </a:fillRef>
+          <a:effectRef idx="0">
+            <a:schemeClr val="dk1"/>
+          </a:effectRef>
+          <a:fontRef idx="minor">
+            <a:schemeClr val="dk1"/>
+          </a:fontRef>
+        </p:style>
+        <p:txBody>
+          <a:bodyPr rtlCol="0" anchor="ctr"/>
+          <a:lstStyle/>
+          <a:p>
+            <a:pPr algn="ctr"/>
+            <a:r>
+              <a:rPr lang="en-US" altLang="zh-CN" dirty="0" smtClean="0"/>
+              <a:t>worker</a:t>
+            </a:r>
+            <a:endParaRPr lang="zh-CN" altLang="en-US" dirty="0"/>
+          </a:p>
+        </p:txBody>
+      </p:sp>
+      <p:sp>
+        <p:nvSpPr>
+          <p:cNvPr id="7" name="矩形 6"/>
+          <p:cNvSpPr/>
+          <p:nvPr/>
+        </p:nvSpPr>
+        <p:spPr>
+          <a:xfrm>
+            <a:off x="7074569" y="3753852"/>
+            <a:ext cx="1328287" cy="644893"/>
+          </a:xfrm>
+          <a:prstGeom prst="rect">
+            <a:avLst/>
+          </a:prstGeom>
+        </p:spPr>
+        <p:style>
+          <a:lnRef idx="2">
+            <a:schemeClr val="dk1"/>
+          </a:lnRef>
+          <a:fillRef idx="1">
+            <a:schemeClr val="lt1"/>
+          </a:fillRef>
+          <a:effectRef idx="0">
+            <a:schemeClr val="dk1"/>
+          </a:effectRef>
+          <a:fontRef idx="minor">
+            <a:schemeClr val="dk1"/>
+          </a:fontRef>
+        </p:style>
+        <p:txBody>
+          <a:bodyPr rtlCol="0" anchor="ctr"/>
+          <a:lstStyle/>
+          <a:p>
+            <a:pPr algn="ctr"/>
+            <a:r>
+              <a:rPr lang="en-US" altLang="zh-CN" dirty="0" smtClean="0"/>
+              <a:t>worker</a:t>
+            </a:r>
+            <a:endParaRPr lang="zh-CN" altLang="en-US" dirty="0"/>
+          </a:p>
+        </p:txBody>
+      </p:sp>
+      <p:sp>
+        <p:nvSpPr>
+          <p:cNvPr id="8" name="矩形 7"/>
+          <p:cNvSpPr/>
+          <p:nvPr/>
+        </p:nvSpPr>
+        <p:spPr>
+          <a:xfrm>
+            <a:off x="5072515" y="3753851"/>
+            <a:ext cx="1328287" cy="644893"/>
+          </a:xfrm>
+          <a:prstGeom prst="rect">
+            <a:avLst/>
+          </a:prstGeom>
+        </p:spPr>
+        <p:style>
+          <a:lnRef idx="2">
+            <a:schemeClr val="dk1"/>
+          </a:lnRef>
+          <a:fillRef idx="1">
+            <a:schemeClr val="lt1"/>
+          </a:fillRef>
+          <a:effectRef idx="0">
+            <a:schemeClr val="dk1"/>
+          </a:effectRef>
+          <a:fontRef idx="minor">
+            <a:schemeClr val="dk1"/>
+          </a:fontRef>
+        </p:style>
+        <p:txBody>
+          <a:bodyPr rtlCol="0" anchor="ctr"/>
+          <a:lstStyle/>
+          <a:p>
+            <a:pPr algn="ctr"/>
+            <a:r>
+              <a:rPr lang="en-US" altLang="zh-CN" dirty="0" smtClean="0"/>
+              <a:t>worker</a:t>
+            </a:r>
+            <a:endParaRPr lang="zh-CN" altLang="en-US" dirty="0"/>
+          </a:p>
+        </p:txBody>
+      </p:sp>
+      <p:sp>
+        <p:nvSpPr>
+          <p:cNvPr id="10" name="矩形 9"/>
+          <p:cNvSpPr/>
+          <p:nvPr/>
+        </p:nvSpPr>
+        <p:spPr>
+          <a:xfrm>
+            <a:off x="8969141" y="2175309"/>
+            <a:ext cx="1328287" cy="644893"/>
+          </a:xfrm>
+          <a:prstGeom prst="rect">
+            <a:avLst/>
+          </a:prstGeom>
+        </p:spPr>
+        <p:style>
+          <a:lnRef idx="2">
+            <a:schemeClr val="dk1"/>
+          </a:lnRef>
+          <a:fillRef idx="1">
+            <a:schemeClr val="lt1"/>
+          </a:fillRef>
+          <a:effectRef idx="0">
+            <a:schemeClr val="dk1"/>
+          </a:effectRef>
+          <a:fontRef idx="minor">
+            <a:schemeClr val="dk1"/>
+          </a:fontRef>
+        </p:style>
+        <p:txBody>
+          <a:bodyPr rtlCol="0" anchor="ctr"/>
+          <a:lstStyle/>
+          <a:p>
+            <a:pPr algn="ctr"/>
+            <a:r>
+              <a:rPr lang="en-US" altLang="zh-CN" dirty="0" smtClean="0"/>
+              <a:t>stats</a:t>
+            </a:r>
+            <a:endParaRPr lang="zh-CN" altLang="en-US" dirty="0"/>
+          </a:p>
+        </p:txBody>
+      </p:sp>
+      <p:sp>
+        <p:nvSpPr>
+          <p:cNvPr id="12" name="矩形 11"/>
+          <p:cNvSpPr/>
+          <p:nvPr/>
+        </p:nvSpPr>
+        <p:spPr>
+          <a:xfrm>
+            <a:off x="3965608" y="2791100"/>
+            <a:ext cx="1540042" cy="465371"/>
+          </a:xfrm>
+          <a:prstGeom prst="rect">
+            <a:avLst/>
+          </a:prstGeom>
+        </p:spPr>
+        <p:style>
+          <a:lnRef idx="2">
+            <a:schemeClr val="accent3"/>
+          </a:lnRef>
+          <a:fillRef idx="1">
+            <a:schemeClr val="lt1"/>
+          </a:fillRef>
+          <a:effectRef idx="0">
+            <a:schemeClr val="accent3"/>
+          </a:effectRef>
+          <a:fontRef idx="minor">
+            <a:schemeClr val="dk1"/>
+          </a:fontRef>
+        </p:style>
+        <p:txBody>
+          <a:bodyPr rtlCol="0" anchor="ctr"/>
+          <a:lstStyle/>
+          <a:p>
+            <a:pPr algn="ctr"/>
+            <a:r>
+              <a:rPr lang="en-US" altLang="zh-CN" dirty="0" err="1" smtClean="0"/>
+              <a:t>rx_ring</a:t>
+            </a:r>
+            <a:endParaRPr lang="zh-CN" altLang="en-US" dirty="0"/>
+          </a:p>
+        </p:txBody>
+      </p:sp>
+      <p:sp>
+        <p:nvSpPr>
+          <p:cNvPr id="13" name="矩形 12"/>
+          <p:cNvSpPr/>
+          <p:nvPr/>
+        </p:nvSpPr>
+        <p:spPr>
+          <a:xfrm>
+            <a:off x="1068404" y="4889632"/>
+            <a:ext cx="7334451" cy="1106905"/>
+          </a:xfrm>
+          <a:prstGeom prst="rect">
+            <a:avLst/>
+          </a:prstGeom>
+        </p:spPr>
+        <p:style>
+          <a:lnRef idx="2">
+            <a:schemeClr val="dk1"/>
+          </a:lnRef>
+          <a:fillRef idx="1">
+            <a:schemeClr val="lt1"/>
+          </a:fillRef>
+          <a:effectRef idx="0">
+            <a:schemeClr val="dk1"/>
+          </a:effectRef>
+          <a:fontRef idx="minor">
+            <a:schemeClr val="dk1"/>
+          </a:fontRef>
+        </p:style>
+        <p:txBody>
+          <a:bodyPr rtlCol="0" anchor="ctr"/>
+          <a:lstStyle/>
+          <a:p>
+            <a:pPr algn="ctr"/>
+            <a:endParaRPr lang="en-US" altLang="zh-CN" dirty="0" smtClean="0"/>
+          </a:p>
+          <a:p>
+            <a:pPr algn="ctr"/>
+            <a:r>
+              <a:rPr lang="en-US" altLang="zh-CN" dirty="0"/>
+              <a:t>T</a:t>
+            </a:r>
+            <a:r>
+              <a:rPr lang="en-US" altLang="zh-CN" dirty="0" smtClean="0"/>
+              <a:t>X</a:t>
+            </a:r>
+            <a:endParaRPr lang="zh-CN" altLang="en-US" dirty="0"/>
+          </a:p>
+        </p:txBody>
+      </p:sp>
+      <p:sp>
+        <p:nvSpPr>
+          <p:cNvPr id="14" name="矩形 13"/>
+          <p:cNvSpPr/>
+          <p:nvPr/>
+        </p:nvSpPr>
+        <p:spPr>
+          <a:xfrm>
+            <a:off x="3965608" y="4889631"/>
+            <a:ext cx="1540042" cy="465371"/>
+          </a:xfrm>
+          <a:prstGeom prst="rect">
+            <a:avLst/>
+          </a:prstGeom>
+        </p:spPr>
+        <p:style>
+          <a:lnRef idx="2">
+            <a:schemeClr val="accent3"/>
+          </a:lnRef>
+          <a:fillRef idx="1">
+            <a:schemeClr val="lt1"/>
+          </a:fillRef>
+          <a:effectRef idx="0">
+            <a:schemeClr val="accent3"/>
+          </a:effectRef>
+          <a:fontRef idx="minor">
+            <a:schemeClr val="dk1"/>
+          </a:fontRef>
+        </p:style>
+        <p:txBody>
+          <a:bodyPr rtlCol="0" anchor="ctr"/>
+          <a:lstStyle/>
+          <a:p>
+            <a:pPr algn="ctr"/>
+            <a:r>
+              <a:rPr lang="en-US" altLang="zh-CN" dirty="0" err="1"/>
+              <a:t>t</a:t>
+            </a:r>
+            <a:r>
+              <a:rPr lang="en-US" altLang="zh-CN" dirty="0" err="1" smtClean="0"/>
+              <a:t>x_ring</a:t>
+            </a:r>
+            <a:endParaRPr lang="zh-CN" altLang="en-US" dirty="0"/>
+          </a:p>
+        </p:txBody>
+      </p:sp>
+      <p:cxnSp>
+        <p:nvCxnSpPr>
+          <p:cNvPr id="19" name="肘形连接符 18"/>
+          <p:cNvCxnSpPr>
+            <a:stCxn id="4" idx="2"/>
+            <a:endCxn id="5" idx="0"/>
+          </p:cNvCxnSpPr>
+          <p:nvPr/>
+        </p:nvCxnSpPr>
+        <p:spPr>
+          <a:xfrm rot="5400000">
+            <a:off x="2988646" y="2006867"/>
+            <a:ext cx="490889" cy="3003081"/>
+          </a:xfrm>
+          <a:prstGeom prst="bentConnector3">
+            <a:avLst/>
+          </a:prstGeom>
+          <a:ln>
+            <a:tailEnd type="triangle"/>
+          </a:ln>
+        </p:spPr>
+        <p:style>
+          <a:lnRef idx="3">
+            <a:schemeClr val="dk1"/>
+          </a:lnRef>
+          <a:fillRef idx="0">
+            <a:schemeClr val="dk1"/>
+          </a:fillRef>
+          <a:effectRef idx="2">
+            <a:schemeClr val="dk1"/>
+          </a:effectRef>
+          <a:fontRef idx="minor">
+            <a:schemeClr val="tx1"/>
+          </a:fontRef>
+        </p:style>
+      </p:cxnSp>
+      <p:cxnSp>
+        <p:nvCxnSpPr>
+          <p:cNvPr id="21" name="肘形连接符 20"/>
+          <p:cNvCxnSpPr>
+            <a:stCxn id="12" idx="2"/>
+            <a:endCxn id="6" idx="0"/>
+          </p:cNvCxnSpPr>
+          <p:nvPr/>
+        </p:nvCxnSpPr>
+        <p:spPr>
+          <a:xfrm rot="5400000">
+            <a:off x="3986427" y="3004649"/>
+            <a:ext cx="497381" cy="1001025"/>
+          </a:xfrm>
+          <a:prstGeom prst="bentConnector3">
+            <a:avLst/>
+          </a:prstGeom>
+          <a:ln>
+            <a:tailEnd type="triangle"/>
+          </a:ln>
+        </p:spPr>
+        <p:style>
+          <a:lnRef idx="3">
+            <a:schemeClr val="dk1"/>
+          </a:lnRef>
+          <a:fillRef idx="0">
+            <a:schemeClr val="dk1"/>
+          </a:fillRef>
+          <a:effectRef idx="2">
+            <a:schemeClr val="dk1"/>
+          </a:effectRef>
+          <a:fontRef idx="minor">
+            <a:schemeClr val="tx1"/>
+          </a:fontRef>
+        </p:style>
+      </p:cxnSp>
+      <p:cxnSp>
+        <p:nvCxnSpPr>
+          <p:cNvPr id="25" name="肘形连接符 24"/>
+          <p:cNvCxnSpPr>
+            <a:stCxn id="12" idx="2"/>
+            <a:endCxn id="8" idx="0"/>
+          </p:cNvCxnSpPr>
+          <p:nvPr/>
+        </p:nvCxnSpPr>
+        <p:spPr>
+          <a:xfrm rot="16200000" flipH="1">
+            <a:off x="4987454" y="3004646"/>
+            <a:ext cx="497380" cy="1001030"/>
+          </a:xfrm>
+          <a:prstGeom prst="bentConnector3">
+            <a:avLst/>
+          </a:prstGeom>
+          <a:ln>
+            <a:tailEnd type="triangle"/>
+          </a:ln>
+        </p:spPr>
+        <p:style>
+          <a:lnRef idx="3">
+            <a:schemeClr val="dk1"/>
+          </a:lnRef>
+          <a:fillRef idx="0">
+            <a:schemeClr val="dk1"/>
+          </a:fillRef>
+          <a:effectRef idx="2">
+            <a:schemeClr val="dk1"/>
+          </a:effectRef>
+          <a:fontRef idx="minor">
+            <a:schemeClr val="tx1"/>
+          </a:fontRef>
+        </p:style>
+      </p:cxnSp>
+      <p:cxnSp>
+        <p:nvCxnSpPr>
+          <p:cNvPr id="29" name="肘形连接符 28"/>
+          <p:cNvCxnSpPr>
+            <a:stCxn id="12" idx="2"/>
+            <a:endCxn id="7" idx="0"/>
+          </p:cNvCxnSpPr>
+          <p:nvPr/>
+        </p:nvCxnSpPr>
+        <p:spPr>
+          <a:xfrm rot="16200000" flipH="1">
+            <a:off x="5988481" y="2003619"/>
+            <a:ext cx="497381" cy="3003084"/>
+          </a:xfrm>
+          <a:prstGeom prst="bentConnector3">
+            <a:avLst/>
+          </a:prstGeom>
+          <a:ln>
+            <a:tailEnd type="triangle"/>
+          </a:ln>
+        </p:spPr>
+        <p:style>
+          <a:lnRef idx="3">
+            <a:schemeClr val="dk1"/>
+          </a:lnRef>
+          <a:fillRef idx="0">
+            <a:schemeClr val="dk1"/>
+          </a:fillRef>
+          <a:effectRef idx="2">
+            <a:schemeClr val="dk1"/>
+          </a:effectRef>
+          <a:fontRef idx="minor">
+            <a:schemeClr val="tx1"/>
+          </a:fontRef>
+        </p:style>
+      </p:cxnSp>
+      <p:cxnSp>
+        <p:nvCxnSpPr>
+          <p:cNvPr id="30" name="肘形连接符 29"/>
+          <p:cNvCxnSpPr/>
+          <p:nvPr/>
+        </p:nvCxnSpPr>
+        <p:spPr>
+          <a:xfrm rot="5400000">
+            <a:off x="2988647" y="2006868"/>
+            <a:ext cx="490889" cy="3003081"/>
+          </a:xfrm>
+          <a:prstGeom prst="bentConnector3">
+            <a:avLst/>
+          </a:prstGeom>
+          <a:ln>
+            <a:tailEnd type="triangle"/>
+          </a:ln>
+        </p:spPr>
+        <p:style>
+          <a:lnRef idx="3">
+            <a:schemeClr val="dk1"/>
+          </a:lnRef>
+          <a:fillRef idx="0">
+            <a:schemeClr val="dk1"/>
+          </a:fillRef>
+          <a:effectRef idx="2">
+            <a:schemeClr val="dk1"/>
+          </a:effectRef>
+          <a:fontRef idx="minor">
+            <a:schemeClr val="tx1"/>
+          </a:fontRef>
+        </p:style>
+      </p:cxnSp>
+      <p:cxnSp>
+        <p:nvCxnSpPr>
+          <p:cNvPr id="31" name="肘形连接符 30"/>
+          <p:cNvCxnSpPr/>
+          <p:nvPr/>
+        </p:nvCxnSpPr>
+        <p:spPr>
+          <a:xfrm rot="16200000" flipH="1">
+            <a:off x="5988482" y="2003620"/>
+            <a:ext cx="497381" cy="3003084"/>
+          </a:xfrm>
+          <a:prstGeom prst="bentConnector3">
+            <a:avLst/>
+          </a:prstGeom>
+          <a:ln>
+            <a:tailEnd type="triangle"/>
+          </a:ln>
+        </p:spPr>
+        <p:style>
+          <a:lnRef idx="3">
+            <a:schemeClr val="dk1"/>
+          </a:lnRef>
+          <a:fillRef idx="0">
+            <a:schemeClr val="dk1"/>
+          </a:fillRef>
+          <a:effectRef idx="2">
+            <a:schemeClr val="dk1"/>
+          </a:effectRef>
+          <a:fontRef idx="minor">
+            <a:schemeClr val="tx1"/>
+          </a:fontRef>
+        </p:style>
+      </p:cxnSp>
+      <p:cxnSp>
+        <p:nvCxnSpPr>
+          <p:cNvPr id="33" name="肘形连接符 32"/>
+          <p:cNvCxnSpPr>
+            <a:stCxn id="5" idx="2"/>
+            <a:endCxn id="14" idx="0"/>
+          </p:cNvCxnSpPr>
+          <p:nvPr/>
+        </p:nvCxnSpPr>
+        <p:spPr>
+          <a:xfrm rot="16200000" flipH="1">
+            <a:off x="2988646" y="3142648"/>
+            <a:ext cx="490886" cy="3003080"/>
+          </a:xfrm>
+          <a:prstGeom prst="bentConnector3">
+            <a:avLst/>
+          </a:prstGeom>
+          <a:ln>
+            <a:tailEnd type="triangle"/>
+          </a:ln>
+        </p:spPr>
+        <p:style>
+          <a:lnRef idx="3">
+            <a:schemeClr val="dk1"/>
+          </a:lnRef>
+          <a:fillRef idx="0">
+            <a:schemeClr val="dk1"/>
+          </a:fillRef>
+          <a:effectRef idx="2">
+            <a:schemeClr val="dk1"/>
+          </a:effectRef>
+          <a:fontRef idx="minor">
+            <a:schemeClr val="tx1"/>
+          </a:fontRef>
+        </p:style>
+      </p:cxnSp>
+      <p:cxnSp>
+        <p:nvCxnSpPr>
+          <p:cNvPr id="34" name="肘形连接符 33"/>
+          <p:cNvCxnSpPr>
+            <a:stCxn id="6" idx="2"/>
+            <a:endCxn id="14" idx="0"/>
+          </p:cNvCxnSpPr>
+          <p:nvPr/>
+        </p:nvCxnSpPr>
+        <p:spPr>
+          <a:xfrm rot="16200000" flipH="1">
+            <a:off x="3989673" y="4143675"/>
+            <a:ext cx="490886" cy="1001025"/>
+          </a:xfrm>
+          <a:prstGeom prst="bentConnector3">
+            <a:avLst>
+              <a:gd name="adj1" fmla="val 50000"/>
+            </a:avLst>
+          </a:prstGeom>
+          <a:ln>
+            <a:tailEnd type="triangle"/>
+          </a:ln>
+        </p:spPr>
+        <p:style>
+          <a:lnRef idx="3">
+            <a:schemeClr val="dk1"/>
+          </a:lnRef>
+          <a:fillRef idx="0">
+            <a:schemeClr val="dk1"/>
+          </a:fillRef>
+          <a:effectRef idx="2">
+            <a:schemeClr val="dk1"/>
+          </a:effectRef>
+          <a:fontRef idx="minor">
+            <a:schemeClr val="tx1"/>
+          </a:fontRef>
+        </p:style>
+      </p:cxnSp>
+      <p:cxnSp>
+        <p:nvCxnSpPr>
+          <p:cNvPr id="37" name="肘形连接符 36"/>
+          <p:cNvCxnSpPr>
+            <a:stCxn id="8" idx="2"/>
+            <a:endCxn id="14" idx="0"/>
+          </p:cNvCxnSpPr>
+          <p:nvPr/>
+        </p:nvCxnSpPr>
+        <p:spPr>
+          <a:xfrm rot="5400000">
+            <a:off x="4990701" y="4143672"/>
+            <a:ext cx="490887" cy="1001030"/>
+          </a:xfrm>
+          <a:prstGeom prst="bentConnector3">
+            <a:avLst>
+              <a:gd name="adj1" fmla="val 50000"/>
+            </a:avLst>
+          </a:prstGeom>
+          <a:ln>
+            <a:tailEnd type="triangle"/>
+          </a:ln>
+        </p:spPr>
+        <p:style>
+          <a:lnRef idx="3">
+            <a:schemeClr val="dk1"/>
+          </a:lnRef>
+          <a:fillRef idx="0">
+            <a:schemeClr val="dk1"/>
+          </a:fillRef>
+          <a:effectRef idx="2">
+            <a:schemeClr val="dk1"/>
+          </a:effectRef>
+          <a:fontRef idx="minor">
+            <a:schemeClr val="tx1"/>
+          </a:fontRef>
+        </p:style>
+      </p:cxnSp>
+      <p:cxnSp>
+        <p:nvCxnSpPr>
+          <p:cNvPr id="40" name="肘形连接符 39"/>
+          <p:cNvCxnSpPr>
+            <a:stCxn id="7" idx="2"/>
+            <a:endCxn id="14" idx="0"/>
+          </p:cNvCxnSpPr>
+          <p:nvPr/>
+        </p:nvCxnSpPr>
+        <p:spPr>
+          <a:xfrm rot="5400000">
+            <a:off x="5991728" y="3142646"/>
+            <a:ext cx="490886" cy="3003084"/>
+          </a:xfrm>
+          <a:prstGeom prst="bentConnector3">
+            <a:avLst>
+              <a:gd name="adj1" fmla="val 50000"/>
+            </a:avLst>
+          </a:prstGeom>
+          <a:ln>
+            <a:tailEnd type="triangle"/>
+          </a:ln>
+        </p:spPr>
+        <p:style>
+          <a:lnRef idx="3">
+            <a:schemeClr val="dk1"/>
+          </a:lnRef>
+          <a:fillRef idx="0">
+            <a:schemeClr val="dk1"/>
+          </a:fillRef>
+          <a:effectRef idx="2">
+            <a:schemeClr val="dk1"/>
+          </a:effectRef>
+          <a:fontRef idx="minor">
+            <a:schemeClr val="tx1"/>
+          </a:fontRef>
+        </p:style>
+      </p:cxnSp>
+    </p:spTree>
+    <p:extLst>
+      <p:ext uri="{BB962C8B-B14F-4D97-AF65-F5344CB8AC3E}">
+        <p14:creationId xmlns:p14="http://schemas.microsoft.com/office/powerpoint/2010/main" val="1283909181"/>
+      </p:ext>
+    </p:extLst>
+  </p:cSld>
+  <p:clrMapOvr>
+    <a:masterClrMapping/>
+  </p:clrMapOvr>
+</p:sld>
+</file>
+
+<file path=ppt/slides/slide6.xml><?xml version="1.0" encoding="utf-8"?>
+<p:sld xmlns:a="http://schemas.openxmlformats.org/drawingml/2006/main" xmlns:r="http://schemas.openxmlformats.org/officeDocument/2006/relationships" xmlns:p="http://schemas.openxmlformats.org/presentationml/2006/main">
+  <p:cSld>
+    <p:spTree>
+      <p:nvGrpSpPr>
+        <p:cNvPr id="1" name=""/>
+        <p:cNvGrpSpPr/>
+        <p:nvPr/>
+      </p:nvGrpSpPr>
+      <p:grpSpPr>
+        <a:xfrm>
+          <a:off x="0" y="0"/>
+          <a:ext cx="0" cy="0"/>
+          <a:chOff x="0" y="0"/>
+          <a:chExt cx="0" cy="0"/>
+        </a:xfrm>
+      </p:grpSpPr>
+      <p:sp>
+        <p:nvSpPr>
+          <p:cNvPr id="2" name="标题 1"/>
+          <p:cNvSpPr>
+            <a:spLocks noGrp="1"/>
+          </p:cNvSpPr>
+          <p:nvPr>
+            <p:ph type="title"/>
+          </p:nvPr>
+        </p:nvSpPr>
+        <p:spPr/>
+        <p:txBody>
+          <a:bodyPr/>
+          <a:lstStyle/>
+          <a:p>
+            <a:r>
+              <a:rPr lang="en-US" altLang="zh-CN" dirty="0"/>
+              <a:t>Multiple Producers/Consumers Ring</a:t>
+            </a:r>
+            <a:endParaRPr lang="zh-CN" altLang="en-US" dirty="0"/>
+          </a:p>
+        </p:txBody>
+      </p:sp>
+      <p:sp>
+        <p:nvSpPr>
+          <p:cNvPr id="3" name="内容占位符 2"/>
+          <p:cNvSpPr>
+            <a:spLocks noGrp="1"/>
+          </p:cNvSpPr>
+          <p:nvPr>
+            <p:ph idx="1"/>
+          </p:nvPr>
+        </p:nvSpPr>
+        <p:spPr/>
+        <p:txBody>
+          <a:bodyPr/>
+          <a:lstStyle/>
+          <a:p>
+            <a:r>
+              <a:rPr lang="zh-CN" altLang="en-US" dirty="0" smtClean="0"/>
+              <a:t>实验结果：</a:t>
+            </a:r>
+            <a:endParaRPr lang="en-US" altLang="zh-CN" dirty="0" smtClean="0"/>
+          </a:p>
+          <a:p>
+            <a:pPr lvl="1"/>
+            <a:r>
+              <a:rPr lang="en-US" altLang="zh-CN" dirty="0" smtClean="0"/>
+              <a:t>10000/10000 </a:t>
+            </a:r>
+            <a:r>
+              <a:rPr lang="en-US" altLang="zh-CN" dirty="0" err="1" smtClean="0"/>
+              <a:t>pkts</a:t>
+            </a:r>
+            <a:endParaRPr lang="en-US" altLang="zh-CN" dirty="0" smtClean="0"/>
+          </a:p>
+          <a:p>
+            <a:pPr lvl="1"/>
+            <a:r>
+              <a:rPr lang="en-US" altLang="zh-CN" dirty="0" smtClean="0"/>
+              <a:t>19000/20000 </a:t>
+            </a:r>
+            <a:r>
+              <a:rPr lang="en-US" altLang="zh-CN" dirty="0" err="1" smtClean="0"/>
+              <a:t>pkts</a:t>
+            </a:r>
+            <a:endParaRPr lang="en-US" altLang="zh-CN" dirty="0" smtClean="0"/>
+          </a:p>
+          <a:p>
+            <a:endParaRPr lang="en-US" altLang="zh-CN" dirty="0"/>
+          </a:p>
+          <a:p>
+            <a:pPr lvl="1"/>
+            <a:r>
+              <a:rPr lang="en-US" altLang="zh-CN" dirty="0" smtClean="0"/>
+              <a:t>RX:		19000</a:t>
+            </a:r>
+            <a:r>
+              <a:rPr lang="zh-CN" altLang="en-US" dirty="0" smtClean="0"/>
+              <a:t>，</a:t>
+            </a:r>
+            <a:r>
+              <a:rPr lang="en-US" altLang="zh-CN" dirty="0" smtClean="0"/>
+              <a:t>0 </a:t>
+            </a:r>
+            <a:r>
+              <a:rPr lang="en-US" altLang="zh-CN" dirty="0" err="1" smtClean="0"/>
+              <a:t>pkts</a:t>
+            </a:r>
+            <a:r>
+              <a:rPr lang="en-US" altLang="zh-CN" dirty="0" smtClean="0"/>
+              <a:t> drop</a:t>
+            </a:r>
+          </a:p>
+          <a:p>
+            <a:pPr lvl="1"/>
+            <a:r>
+              <a:rPr lang="en-US" altLang="zh-CN" dirty="0" smtClean="0"/>
+              <a:t>Worker</a:t>
+            </a:r>
+            <a:r>
+              <a:rPr lang="zh-CN" altLang="en-US" dirty="0" smtClean="0"/>
+              <a:t>：</a:t>
+            </a:r>
+            <a:r>
+              <a:rPr lang="en-US" altLang="zh-CN" dirty="0" smtClean="0"/>
+              <a:t>	19000</a:t>
+            </a:r>
+            <a:r>
+              <a:rPr lang="zh-CN" altLang="en-US" dirty="0" smtClean="0"/>
+              <a:t>，</a:t>
+            </a:r>
+            <a:r>
+              <a:rPr lang="en-US" altLang="zh-CN" dirty="0" smtClean="0"/>
+              <a:t>0 </a:t>
+            </a:r>
+            <a:r>
+              <a:rPr lang="en-US" altLang="zh-CN" dirty="0" err="1" smtClean="0"/>
+              <a:t>pkts</a:t>
+            </a:r>
+            <a:r>
+              <a:rPr lang="en-US" altLang="zh-CN" dirty="0" smtClean="0"/>
+              <a:t> drop</a:t>
+            </a:r>
+          </a:p>
+          <a:p>
+            <a:pPr lvl="1"/>
+            <a:r>
+              <a:rPr lang="en-US" altLang="zh-CN" dirty="0" smtClean="0"/>
+              <a:t>TX</a:t>
+            </a:r>
+            <a:r>
+              <a:rPr lang="zh-CN" altLang="en-US" dirty="0" smtClean="0"/>
+              <a:t>：</a:t>
+            </a:r>
+            <a:r>
+              <a:rPr lang="en-US" altLang="zh-CN" dirty="0" smtClean="0"/>
+              <a:t>		19000</a:t>
+            </a:r>
+            <a:r>
+              <a:rPr lang="zh-CN" altLang="en-US" dirty="0" smtClean="0"/>
+              <a:t>，</a:t>
+            </a:r>
+            <a:r>
+              <a:rPr lang="en-US" altLang="zh-CN" dirty="0" smtClean="0"/>
+              <a:t>0 </a:t>
+            </a:r>
+            <a:r>
+              <a:rPr lang="en-US" altLang="zh-CN" dirty="0" err="1" smtClean="0"/>
+              <a:t>pkts</a:t>
+            </a:r>
+            <a:r>
+              <a:rPr lang="en-US" altLang="zh-CN" dirty="0" smtClean="0"/>
+              <a:t> drop</a:t>
+            </a:r>
+          </a:p>
+          <a:p>
+            <a:pPr lvl="1"/>
+            <a:endParaRPr lang="en-US" altLang="zh-CN" dirty="0" smtClean="0"/>
+          </a:p>
+        </p:txBody>
+      </p:sp>
+    </p:spTree>
+    <p:extLst>
+      <p:ext uri="{BB962C8B-B14F-4D97-AF65-F5344CB8AC3E}">
+        <p14:creationId xmlns:p14="http://schemas.microsoft.com/office/powerpoint/2010/main" val="4218619990"/>
+      </p:ext>
+    </p:extLst>
+  </p:cSld>
+  <p:clrMapOvr>
+    <a:masterClrMapping/>
+  </p:clrMapOvr>
+</p:sld>
+</file>
+
+<file path=ppt/slides/slide7.xml><?xml version="1.0" encoding="utf-8"?>
+<p:sld xmlns:a="http://schemas.openxmlformats.org/drawingml/2006/main" xmlns:r="http://schemas.openxmlformats.org/officeDocument/2006/relationships" xmlns:p="http://schemas.openxmlformats.org/presentationml/2006/main">
+  <p:cSld>
+    <p:spTree>
+      <p:nvGrpSpPr>
+        <p:cNvPr id="1" name=""/>
+        <p:cNvGrpSpPr/>
+        <p:nvPr/>
+      </p:nvGrpSpPr>
+      <p:grpSpPr>
+        <a:xfrm>
+          <a:off x="0" y="0"/>
+          <a:ext cx="0" cy="0"/>
+          <a:chOff x="0" y="0"/>
+          <a:chExt cx="0" cy="0"/>
+        </a:xfrm>
+      </p:grpSpPr>
+      <p:sp>
+        <p:nvSpPr>
+          <p:cNvPr id="2" name="标题 1"/>
+          <p:cNvSpPr>
+            <a:spLocks noGrp="1"/>
+          </p:cNvSpPr>
+          <p:nvPr>
+            <p:ph type="title"/>
+          </p:nvPr>
+        </p:nvSpPr>
+        <p:spPr/>
+        <p:txBody>
+          <a:bodyPr/>
+          <a:lstStyle/>
+          <a:p>
+            <a:r>
+              <a:rPr lang="en-US" altLang="zh-CN" dirty="0"/>
+              <a:t>Multiple </a:t>
+            </a:r>
+            <a:r>
+              <a:rPr lang="en-US" altLang="zh-CN" dirty="0" smtClean="0"/>
+              <a:t>RX/TX</a:t>
+            </a:r>
+            <a:endParaRPr lang="zh-CN" altLang="en-US" dirty="0"/>
+          </a:p>
+        </p:txBody>
+      </p:sp>
+      <p:sp>
+        <p:nvSpPr>
+          <p:cNvPr id="4" name="矩形 3"/>
+          <p:cNvSpPr/>
+          <p:nvPr/>
+        </p:nvSpPr>
+        <p:spPr>
+          <a:xfrm>
+            <a:off x="1068404" y="2156058"/>
+            <a:ext cx="2329315" cy="462015"/>
+          </a:xfrm>
+          <a:prstGeom prst="rect">
+            <a:avLst/>
+          </a:prstGeom>
+        </p:spPr>
+        <p:style>
+          <a:lnRef idx="2">
+            <a:schemeClr val="dk1"/>
+          </a:lnRef>
+          <a:fillRef idx="1">
+            <a:schemeClr val="lt1"/>
+          </a:fillRef>
+          <a:effectRef idx="0">
+            <a:schemeClr val="dk1"/>
+          </a:effectRef>
+          <a:fontRef idx="minor">
+            <a:schemeClr val="dk1"/>
+          </a:fontRef>
+        </p:style>
+        <p:txBody>
+          <a:bodyPr rtlCol="0" anchor="ctr"/>
+          <a:lstStyle/>
+          <a:p>
+            <a:pPr algn="ctr"/>
+            <a:r>
+              <a:rPr lang="en-US" altLang="zh-CN" dirty="0" smtClean="0"/>
+              <a:t>RX</a:t>
+            </a:r>
+          </a:p>
+        </p:txBody>
+      </p:sp>
+      <p:sp>
+        <p:nvSpPr>
+          <p:cNvPr id="5" name="矩形 4"/>
+          <p:cNvSpPr/>
+          <p:nvPr/>
+        </p:nvSpPr>
+        <p:spPr>
+          <a:xfrm>
+            <a:off x="1068405" y="3753852"/>
+            <a:ext cx="1328287" cy="644893"/>
+          </a:xfrm>
+          <a:prstGeom prst="rect">
+            <a:avLst/>
+          </a:prstGeom>
+        </p:spPr>
+        <p:style>
+          <a:lnRef idx="2">
+            <a:schemeClr val="dk1"/>
+          </a:lnRef>
+          <a:fillRef idx="1">
+            <a:schemeClr val="lt1"/>
+          </a:fillRef>
+          <a:effectRef idx="0">
+            <a:schemeClr val="dk1"/>
+          </a:effectRef>
+          <a:fontRef idx="minor">
+            <a:schemeClr val="dk1"/>
+          </a:fontRef>
+        </p:style>
+        <p:txBody>
+          <a:bodyPr rtlCol="0" anchor="ctr"/>
+          <a:lstStyle/>
+          <a:p>
+            <a:pPr algn="ctr"/>
+            <a:r>
+              <a:rPr lang="en-US" altLang="zh-CN" dirty="0" smtClean="0"/>
+              <a:t>worker</a:t>
+            </a:r>
+            <a:endParaRPr lang="zh-CN" altLang="en-US" dirty="0"/>
+          </a:p>
+        </p:txBody>
+      </p:sp>
+      <p:sp>
+        <p:nvSpPr>
+          <p:cNvPr id="6" name="矩形 5"/>
+          <p:cNvSpPr/>
+          <p:nvPr/>
+        </p:nvSpPr>
+        <p:spPr>
+          <a:xfrm>
+            <a:off x="3070460" y="3753852"/>
+            <a:ext cx="1328287" cy="644893"/>
+          </a:xfrm>
+          <a:prstGeom prst="rect">
+            <a:avLst/>
+          </a:prstGeom>
+        </p:spPr>
+        <p:style>
+          <a:lnRef idx="2">
+            <a:schemeClr val="dk1"/>
+          </a:lnRef>
+          <a:fillRef idx="1">
+            <a:schemeClr val="lt1"/>
+          </a:fillRef>
+          <a:effectRef idx="0">
+            <a:schemeClr val="dk1"/>
+          </a:effectRef>
+          <a:fontRef idx="minor">
+            <a:schemeClr val="dk1"/>
+          </a:fontRef>
+        </p:style>
+        <p:txBody>
+          <a:bodyPr rtlCol="0" anchor="ctr"/>
+          <a:lstStyle/>
+          <a:p>
+            <a:pPr algn="ctr"/>
+            <a:r>
+              <a:rPr lang="en-US" altLang="zh-CN" dirty="0" smtClean="0"/>
+              <a:t>worker</a:t>
+            </a:r>
+            <a:endParaRPr lang="zh-CN" altLang="en-US" dirty="0"/>
+          </a:p>
+        </p:txBody>
+      </p:sp>
+      <p:sp>
+        <p:nvSpPr>
+          <p:cNvPr id="7" name="矩形 6"/>
+          <p:cNvSpPr/>
+          <p:nvPr/>
+        </p:nvSpPr>
+        <p:spPr>
+          <a:xfrm>
+            <a:off x="7074569" y="3753852"/>
+            <a:ext cx="1328287" cy="644893"/>
+          </a:xfrm>
+          <a:prstGeom prst="rect">
+            <a:avLst/>
+          </a:prstGeom>
+        </p:spPr>
+        <p:style>
+          <a:lnRef idx="2">
+            <a:schemeClr val="dk1"/>
+          </a:lnRef>
+          <a:fillRef idx="1">
+            <a:schemeClr val="lt1"/>
+          </a:fillRef>
+          <a:effectRef idx="0">
+            <a:schemeClr val="dk1"/>
+          </a:effectRef>
+          <a:fontRef idx="minor">
+            <a:schemeClr val="dk1"/>
+          </a:fontRef>
+        </p:style>
+        <p:txBody>
+          <a:bodyPr rtlCol="0" anchor="ctr"/>
+          <a:lstStyle/>
+          <a:p>
+            <a:pPr algn="ctr"/>
+            <a:r>
+              <a:rPr lang="en-US" altLang="zh-CN" dirty="0" smtClean="0"/>
+              <a:t>worker</a:t>
+            </a:r>
+            <a:endParaRPr lang="zh-CN" altLang="en-US" dirty="0"/>
+          </a:p>
+        </p:txBody>
+      </p:sp>
+      <p:sp>
+        <p:nvSpPr>
+          <p:cNvPr id="8" name="矩形 7"/>
+          <p:cNvSpPr/>
+          <p:nvPr/>
+        </p:nvSpPr>
+        <p:spPr>
+          <a:xfrm>
+            <a:off x="5072515" y="3753851"/>
+            <a:ext cx="1328287" cy="644893"/>
+          </a:xfrm>
+          <a:prstGeom prst="rect">
+            <a:avLst/>
+          </a:prstGeom>
+        </p:spPr>
+        <p:style>
+          <a:lnRef idx="2">
+            <a:schemeClr val="dk1"/>
+          </a:lnRef>
+          <a:fillRef idx="1">
+            <a:schemeClr val="lt1"/>
+          </a:fillRef>
+          <a:effectRef idx="0">
+            <a:schemeClr val="dk1"/>
+          </a:effectRef>
+          <a:fontRef idx="minor">
+            <a:schemeClr val="dk1"/>
+          </a:fontRef>
+        </p:style>
+        <p:txBody>
+          <a:bodyPr rtlCol="0" anchor="ctr"/>
+          <a:lstStyle/>
+          <a:p>
+            <a:pPr algn="ctr"/>
+            <a:r>
+              <a:rPr lang="en-US" altLang="zh-CN" dirty="0" smtClean="0"/>
+              <a:t>worker</a:t>
+            </a:r>
+            <a:endParaRPr lang="zh-CN" altLang="en-US" dirty="0"/>
+          </a:p>
+        </p:txBody>
+      </p:sp>
+      <p:sp>
+        <p:nvSpPr>
+          <p:cNvPr id="9" name="矩形 8"/>
+          <p:cNvSpPr/>
+          <p:nvPr/>
+        </p:nvSpPr>
+        <p:spPr>
+          <a:xfrm>
+            <a:off x="8969141" y="2175309"/>
+            <a:ext cx="1328287" cy="644893"/>
+          </a:xfrm>
+          <a:prstGeom prst="rect">
+            <a:avLst/>
+          </a:prstGeom>
+        </p:spPr>
+        <p:style>
+          <a:lnRef idx="2">
+            <a:schemeClr val="dk1"/>
+          </a:lnRef>
+          <a:fillRef idx="1">
+            <a:schemeClr val="lt1"/>
+          </a:fillRef>
+          <a:effectRef idx="0">
+            <a:schemeClr val="dk1"/>
+          </a:effectRef>
+          <a:fontRef idx="minor">
+            <a:schemeClr val="dk1"/>
+          </a:fontRef>
+        </p:style>
+        <p:txBody>
+          <a:bodyPr rtlCol="0" anchor="ctr"/>
+          <a:lstStyle/>
+          <a:p>
+            <a:pPr algn="ctr"/>
+            <a:r>
+              <a:rPr lang="en-US" altLang="zh-CN" dirty="0" smtClean="0"/>
+              <a:t>stats</a:t>
+            </a:r>
+            <a:endParaRPr lang="zh-CN" altLang="en-US" dirty="0"/>
+          </a:p>
+        </p:txBody>
+      </p:sp>
+      <p:sp>
+        <p:nvSpPr>
+          <p:cNvPr id="10" name="矩形 9"/>
+          <p:cNvSpPr/>
+          <p:nvPr/>
+        </p:nvSpPr>
+        <p:spPr>
+          <a:xfrm>
+            <a:off x="3965608" y="2791100"/>
+            <a:ext cx="1540042" cy="465371"/>
+          </a:xfrm>
+          <a:prstGeom prst="rect">
+            <a:avLst/>
+          </a:prstGeom>
+        </p:spPr>
+        <p:style>
+          <a:lnRef idx="2">
+            <a:schemeClr val="accent3"/>
+          </a:lnRef>
+          <a:fillRef idx="1">
+            <a:schemeClr val="lt1"/>
+          </a:fillRef>
+          <a:effectRef idx="0">
+            <a:schemeClr val="accent3"/>
+          </a:effectRef>
+          <a:fontRef idx="minor">
+            <a:schemeClr val="dk1"/>
+          </a:fontRef>
+        </p:style>
+        <p:txBody>
+          <a:bodyPr rtlCol="0" anchor="ctr"/>
+          <a:lstStyle/>
+          <a:p>
+            <a:pPr algn="ctr"/>
+            <a:r>
+              <a:rPr lang="en-US" altLang="zh-CN" dirty="0" err="1" smtClean="0"/>
+              <a:t>rx_ring</a:t>
+            </a:r>
+            <a:endParaRPr lang="zh-CN" altLang="en-US" dirty="0"/>
+          </a:p>
+        </p:txBody>
+      </p:sp>
+      <p:sp>
+        <p:nvSpPr>
+          <p:cNvPr id="12" name="矩形 11"/>
+          <p:cNvSpPr/>
+          <p:nvPr/>
+        </p:nvSpPr>
+        <p:spPr>
+          <a:xfrm>
+            <a:off x="3965608" y="4889631"/>
+            <a:ext cx="1540042" cy="465371"/>
+          </a:xfrm>
+          <a:prstGeom prst="rect">
+            <a:avLst/>
+          </a:prstGeom>
+        </p:spPr>
+        <p:style>
+          <a:lnRef idx="2">
+            <a:schemeClr val="accent3"/>
+          </a:lnRef>
+          <a:fillRef idx="1">
+            <a:schemeClr val="lt1"/>
+          </a:fillRef>
+          <a:effectRef idx="0">
+            <a:schemeClr val="accent3"/>
+          </a:effectRef>
+          <a:fontRef idx="minor">
+            <a:schemeClr val="dk1"/>
+          </a:fontRef>
+        </p:style>
+        <p:txBody>
+          <a:bodyPr rtlCol="0" anchor="ctr"/>
+          <a:lstStyle/>
+          <a:p>
+            <a:pPr algn="ctr"/>
+            <a:r>
+              <a:rPr lang="en-US" altLang="zh-CN" dirty="0" err="1"/>
+              <a:t>t</a:t>
+            </a:r>
+            <a:r>
+              <a:rPr lang="en-US" altLang="zh-CN" dirty="0" err="1" smtClean="0"/>
+              <a:t>x_ring</a:t>
+            </a:r>
+            <a:endParaRPr lang="zh-CN" altLang="en-US" dirty="0"/>
+          </a:p>
+        </p:txBody>
+      </p:sp>
+      <p:cxnSp>
+        <p:nvCxnSpPr>
+          <p:cNvPr id="13" name="肘形连接符 12"/>
+          <p:cNvCxnSpPr>
+            <a:stCxn id="10" idx="2"/>
+            <a:endCxn id="5" idx="0"/>
+          </p:cNvCxnSpPr>
+          <p:nvPr/>
+        </p:nvCxnSpPr>
+        <p:spPr>
+          <a:xfrm rot="5400000">
+            <a:off x="2985399" y="2003621"/>
+            <a:ext cx="497381" cy="3003080"/>
+          </a:xfrm>
+          <a:prstGeom prst="bentConnector3">
+            <a:avLst/>
+          </a:prstGeom>
+          <a:ln>
+            <a:tailEnd type="triangle"/>
+          </a:ln>
+        </p:spPr>
+        <p:style>
+          <a:lnRef idx="3">
+            <a:schemeClr val="dk1"/>
+          </a:lnRef>
+          <a:fillRef idx="0">
+            <a:schemeClr val="dk1"/>
+          </a:fillRef>
+          <a:effectRef idx="2">
+            <a:schemeClr val="dk1"/>
+          </a:effectRef>
+          <a:fontRef idx="minor">
+            <a:schemeClr val="tx1"/>
+          </a:fontRef>
+        </p:style>
+      </p:cxnSp>
+      <p:cxnSp>
+        <p:nvCxnSpPr>
+          <p:cNvPr id="14" name="肘形连接符 13"/>
+          <p:cNvCxnSpPr>
+            <a:stCxn id="10" idx="2"/>
+            <a:endCxn id="6" idx="0"/>
+          </p:cNvCxnSpPr>
+          <p:nvPr/>
+        </p:nvCxnSpPr>
+        <p:spPr>
+          <a:xfrm rot="5400000">
+            <a:off x="3986427" y="3004649"/>
+            <a:ext cx="497381" cy="1001025"/>
+          </a:xfrm>
+          <a:prstGeom prst="bentConnector3">
+            <a:avLst/>
+          </a:prstGeom>
+          <a:ln>
+            <a:tailEnd type="triangle"/>
+          </a:ln>
+        </p:spPr>
+        <p:style>
+          <a:lnRef idx="3">
+            <a:schemeClr val="dk1"/>
+          </a:lnRef>
+          <a:fillRef idx="0">
+            <a:schemeClr val="dk1"/>
+          </a:fillRef>
+          <a:effectRef idx="2">
+            <a:schemeClr val="dk1"/>
+          </a:effectRef>
+          <a:fontRef idx="minor">
+            <a:schemeClr val="tx1"/>
+          </a:fontRef>
+        </p:style>
+      </p:cxnSp>
+      <p:cxnSp>
+        <p:nvCxnSpPr>
+          <p:cNvPr id="15" name="肘形连接符 14"/>
+          <p:cNvCxnSpPr>
+            <a:stCxn id="10" idx="2"/>
+            <a:endCxn id="8" idx="0"/>
+          </p:cNvCxnSpPr>
+          <p:nvPr/>
+        </p:nvCxnSpPr>
+        <p:spPr>
+          <a:xfrm rot="16200000" flipH="1">
+            <a:off x="4987454" y="3004646"/>
+            <a:ext cx="497380" cy="1001030"/>
+          </a:xfrm>
+          <a:prstGeom prst="bentConnector3">
+            <a:avLst/>
+          </a:prstGeom>
+          <a:ln>
+            <a:tailEnd type="triangle"/>
+          </a:ln>
+        </p:spPr>
+        <p:style>
+          <a:lnRef idx="3">
+            <a:schemeClr val="dk1"/>
+          </a:lnRef>
+          <a:fillRef idx="0">
+            <a:schemeClr val="dk1"/>
+          </a:fillRef>
+          <a:effectRef idx="2">
+            <a:schemeClr val="dk1"/>
+          </a:effectRef>
+          <a:fontRef idx="minor">
+            <a:schemeClr val="tx1"/>
+          </a:fontRef>
+        </p:style>
+      </p:cxnSp>
+      <p:cxnSp>
+        <p:nvCxnSpPr>
+          <p:cNvPr id="16" name="肘形连接符 15"/>
+          <p:cNvCxnSpPr>
+            <a:stCxn id="10" idx="2"/>
+            <a:endCxn id="7" idx="0"/>
+          </p:cNvCxnSpPr>
+          <p:nvPr/>
+        </p:nvCxnSpPr>
+        <p:spPr>
+          <a:xfrm rot="16200000" flipH="1">
+            <a:off x="5988481" y="2003619"/>
+            <a:ext cx="497381" cy="3003084"/>
+          </a:xfrm>
+          <a:prstGeom prst="bentConnector3">
+            <a:avLst/>
+          </a:prstGeom>
+          <a:ln>
+            <a:tailEnd type="triangle"/>
+          </a:ln>
+        </p:spPr>
+        <p:style>
+          <a:lnRef idx="3">
+            <a:schemeClr val="dk1"/>
+          </a:lnRef>
+          <a:fillRef idx="0">
+            <a:schemeClr val="dk1"/>
+          </a:fillRef>
+          <a:effectRef idx="2">
+            <a:schemeClr val="dk1"/>
+          </a:effectRef>
+          <a:fontRef idx="minor">
+            <a:schemeClr val="tx1"/>
+          </a:fontRef>
+        </p:style>
+      </p:cxnSp>
+      <p:cxnSp>
+        <p:nvCxnSpPr>
+          <p:cNvPr id="17" name="肘形连接符 16"/>
+          <p:cNvCxnSpPr/>
+          <p:nvPr/>
+        </p:nvCxnSpPr>
+        <p:spPr>
+          <a:xfrm rot="5400000">
+            <a:off x="2988647" y="2006868"/>
+            <a:ext cx="490889" cy="3003081"/>
+          </a:xfrm>
+          <a:prstGeom prst="bentConnector3">
+            <a:avLst/>
+          </a:prstGeom>
+          <a:ln>
+            <a:tailEnd type="triangle"/>
+          </a:ln>
+        </p:spPr>
+        <p:style>
+          <a:lnRef idx="3">
+            <a:schemeClr val="dk1"/>
+          </a:lnRef>
+          <a:fillRef idx="0">
+            <a:schemeClr val="dk1"/>
+          </a:fillRef>
+          <a:effectRef idx="2">
+            <a:schemeClr val="dk1"/>
+          </a:effectRef>
+          <a:fontRef idx="minor">
+            <a:schemeClr val="tx1"/>
+          </a:fontRef>
+        </p:style>
+      </p:cxnSp>
+      <p:cxnSp>
+        <p:nvCxnSpPr>
+          <p:cNvPr id="18" name="肘形连接符 17"/>
+          <p:cNvCxnSpPr/>
+          <p:nvPr/>
+        </p:nvCxnSpPr>
+        <p:spPr>
+          <a:xfrm rot="16200000" flipH="1">
+            <a:off x="5988482" y="2003620"/>
+            <a:ext cx="497381" cy="3003084"/>
+          </a:xfrm>
+          <a:prstGeom prst="bentConnector3">
+            <a:avLst/>
+          </a:prstGeom>
+          <a:ln>
+            <a:tailEnd type="triangle"/>
+          </a:ln>
+        </p:spPr>
+        <p:style>
+          <a:lnRef idx="3">
+            <a:schemeClr val="dk1"/>
+          </a:lnRef>
+          <a:fillRef idx="0">
+            <a:schemeClr val="dk1"/>
+          </a:fillRef>
+          <a:effectRef idx="2">
+            <a:schemeClr val="dk1"/>
+          </a:effectRef>
+          <a:fontRef idx="minor">
+            <a:schemeClr val="tx1"/>
+          </a:fontRef>
+        </p:style>
+      </p:cxnSp>
+      <p:cxnSp>
+        <p:nvCxnSpPr>
+          <p:cNvPr id="19" name="肘形连接符 18"/>
+          <p:cNvCxnSpPr>
+            <a:stCxn id="5" idx="2"/>
+            <a:endCxn id="12" idx="0"/>
+          </p:cNvCxnSpPr>
+          <p:nvPr/>
+        </p:nvCxnSpPr>
+        <p:spPr>
+          <a:xfrm rot="16200000" flipH="1">
+            <a:off x="2988646" y="3142648"/>
+            <a:ext cx="490886" cy="3003080"/>
+          </a:xfrm>
+          <a:prstGeom prst="bentConnector3">
+            <a:avLst/>
+          </a:prstGeom>
+          <a:ln>
+            <a:tailEnd type="triangle"/>
+          </a:ln>
+        </p:spPr>
+        <p:style>
+          <a:lnRef idx="3">
+            <a:schemeClr val="dk1"/>
+          </a:lnRef>
+          <a:fillRef idx="0">
+            <a:schemeClr val="dk1"/>
+          </a:fillRef>
+          <a:effectRef idx="2">
+            <a:schemeClr val="dk1"/>
+          </a:effectRef>
+          <a:fontRef idx="minor">
+            <a:schemeClr val="tx1"/>
+          </a:fontRef>
+        </p:style>
+      </p:cxnSp>
+      <p:cxnSp>
+        <p:nvCxnSpPr>
+          <p:cNvPr id="20" name="肘形连接符 19"/>
+          <p:cNvCxnSpPr>
+            <a:stCxn id="6" idx="2"/>
+            <a:endCxn id="12" idx="0"/>
+          </p:cNvCxnSpPr>
+          <p:nvPr/>
+        </p:nvCxnSpPr>
+        <p:spPr>
+          <a:xfrm rot="16200000" flipH="1">
+            <a:off x="3989673" y="4143675"/>
+            <a:ext cx="490886" cy="1001025"/>
+          </a:xfrm>
+          <a:prstGeom prst="bentConnector3">
+            <a:avLst>
+              <a:gd name="adj1" fmla="val 50000"/>
+            </a:avLst>
+          </a:prstGeom>
+          <a:ln>
+            <a:tailEnd type="triangle"/>
+          </a:ln>
+        </p:spPr>
+        <p:style>
+          <a:lnRef idx="3">
+            <a:schemeClr val="dk1"/>
+          </a:lnRef>
+          <a:fillRef idx="0">
+            <a:schemeClr val="dk1"/>
+          </a:fillRef>
+          <a:effectRef idx="2">
+            <a:schemeClr val="dk1"/>
+          </a:effectRef>
+          <a:fontRef idx="minor">
+            <a:schemeClr val="tx1"/>
+          </a:fontRef>
+        </p:style>
+      </p:cxnSp>
+      <p:cxnSp>
+        <p:nvCxnSpPr>
+          <p:cNvPr id="21" name="肘形连接符 20"/>
+          <p:cNvCxnSpPr>
+            <a:stCxn id="8" idx="2"/>
+            <a:endCxn id="12" idx="0"/>
+          </p:cNvCxnSpPr>
+          <p:nvPr/>
+        </p:nvCxnSpPr>
+        <p:spPr>
+          <a:xfrm rot="5400000">
+            <a:off x="4990701" y="4143672"/>
+            <a:ext cx="490887" cy="1001030"/>
+          </a:xfrm>
+          <a:prstGeom prst="bentConnector3">
+            <a:avLst>
+              <a:gd name="adj1" fmla="val 50000"/>
+            </a:avLst>
+          </a:prstGeom>
+          <a:ln>
+            <a:tailEnd type="triangle"/>
+          </a:ln>
+        </p:spPr>
+        <p:style>
+          <a:lnRef idx="3">
+            <a:schemeClr val="dk1"/>
+          </a:lnRef>
+          <a:fillRef idx="0">
+            <a:schemeClr val="dk1"/>
+          </a:fillRef>
+          <a:effectRef idx="2">
+            <a:schemeClr val="dk1"/>
+          </a:effectRef>
+          <a:fontRef idx="minor">
+            <a:schemeClr val="tx1"/>
+          </a:fontRef>
+        </p:style>
+      </p:cxnSp>
+      <p:cxnSp>
+        <p:nvCxnSpPr>
+          <p:cNvPr id="22" name="肘形连接符 21"/>
+          <p:cNvCxnSpPr>
+            <a:stCxn id="7" idx="2"/>
+            <a:endCxn id="12" idx="0"/>
+          </p:cNvCxnSpPr>
+          <p:nvPr/>
+        </p:nvCxnSpPr>
+        <p:spPr>
+          <a:xfrm rot="5400000">
+            <a:off x="5991728" y="3142646"/>
+            <a:ext cx="490886" cy="3003084"/>
+          </a:xfrm>
+          <a:prstGeom prst="bentConnector3">
+            <a:avLst>
+              <a:gd name="adj1" fmla="val 50000"/>
+            </a:avLst>
+          </a:prstGeom>
+          <a:ln>
+            <a:tailEnd type="triangle"/>
+          </a:ln>
+        </p:spPr>
+        <p:style>
+          <a:lnRef idx="3">
+            <a:schemeClr val="dk1"/>
+          </a:lnRef>
+          <a:fillRef idx="0">
+            <a:schemeClr val="dk1"/>
+          </a:fillRef>
+          <a:effectRef idx="2">
+            <a:schemeClr val="dk1"/>
+          </a:effectRef>
+          <a:fontRef idx="minor">
+            <a:schemeClr val="tx1"/>
+          </a:fontRef>
+        </p:style>
+      </p:cxnSp>
+      <p:sp>
+        <p:nvSpPr>
+          <p:cNvPr id="31" name="矩形 30"/>
+          <p:cNvSpPr/>
+          <p:nvPr/>
+        </p:nvSpPr>
+        <p:spPr>
+          <a:xfrm>
+            <a:off x="6073540" y="2156058"/>
+            <a:ext cx="2329315" cy="462015"/>
+          </a:xfrm>
+          <a:prstGeom prst="rect">
+            <a:avLst/>
+          </a:prstGeom>
+        </p:spPr>
+        <p:style>
+          <a:lnRef idx="2">
+            <a:schemeClr val="dk1"/>
+          </a:lnRef>
+          <a:fillRef idx="1">
+            <a:schemeClr val="lt1"/>
+          </a:fillRef>
+          <a:effectRef idx="0">
+            <a:schemeClr val="dk1"/>
+          </a:effectRef>
+          <a:fontRef idx="minor">
+            <a:schemeClr val="dk1"/>
+          </a:fontRef>
+        </p:style>
+        <p:txBody>
+          <a:bodyPr rtlCol="0" anchor="ctr"/>
+          <a:lstStyle/>
+          <a:p>
+            <a:pPr algn="ctr"/>
+            <a:r>
+              <a:rPr lang="en-US" altLang="zh-CN" dirty="0" smtClean="0"/>
+              <a:t>RX</a:t>
+            </a:r>
+          </a:p>
+        </p:txBody>
+      </p:sp>
+      <p:cxnSp>
+        <p:nvCxnSpPr>
+          <p:cNvPr id="34" name="肘形连接符 33"/>
+          <p:cNvCxnSpPr>
+            <a:stCxn id="4" idx="3"/>
+            <a:endCxn id="10" idx="0"/>
+          </p:cNvCxnSpPr>
+          <p:nvPr/>
+        </p:nvCxnSpPr>
+        <p:spPr>
+          <a:xfrm>
+            <a:off x="3397719" y="2387066"/>
+            <a:ext cx="1337910" cy="404034"/>
+          </a:xfrm>
+          <a:prstGeom prst="bentConnector2">
+            <a:avLst/>
+          </a:prstGeom>
+          <a:ln>
+            <a:tailEnd type="triangle"/>
+          </a:ln>
+        </p:spPr>
+        <p:style>
+          <a:lnRef idx="3">
+            <a:schemeClr val="dk1"/>
+          </a:lnRef>
+          <a:fillRef idx="0">
+            <a:schemeClr val="dk1"/>
+          </a:fillRef>
+          <a:effectRef idx="2">
+            <a:schemeClr val="dk1"/>
+          </a:effectRef>
+          <a:fontRef idx="minor">
+            <a:schemeClr val="tx1"/>
+          </a:fontRef>
+        </p:style>
+      </p:cxnSp>
+      <p:cxnSp>
+        <p:nvCxnSpPr>
+          <p:cNvPr id="36" name="肘形连接符 35"/>
+          <p:cNvCxnSpPr>
+            <a:stCxn id="31" idx="1"/>
+            <a:endCxn id="10" idx="0"/>
+          </p:cNvCxnSpPr>
+          <p:nvPr/>
+        </p:nvCxnSpPr>
+        <p:spPr>
+          <a:xfrm rot="10800000" flipV="1">
+            <a:off x="4735630" y="2387066"/>
+            <a:ext cx="1337911" cy="404034"/>
+          </a:xfrm>
+          <a:prstGeom prst="bentConnector2">
+            <a:avLst/>
+          </a:prstGeom>
+          <a:ln>
+            <a:tailEnd type="triangle"/>
+          </a:ln>
+        </p:spPr>
+        <p:style>
+          <a:lnRef idx="3">
+            <a:schemeClr val="dk1"/>
+          </a:lnRef>
+          <a:fillRef idx="0">
+            <a:schemeClr val="dk1"/>
+          </a:fillRef>
+          <a:effectRef idx="2">
+            <a:schemeClr val="dk1"/>
+          </a:effectRef>
+          <a:fontRef idx="minor">
+            <a:schemeClr val="tx1"/>
+          </a:fontRef>
+        </p:style>
+      </p:cxnSp>
+      <p:sp>
+        <p:nvSpPr>
+          <p:cNvPr id="41" name="矩形 40"/>
+          <p:cNvSpPr/>
+          <p:nvPr/>
+        </p:nvSpPr>
+        <p:spPr>
+          <a:xfrm>
+            <a:off x="1068403" y="5534522"/>
+            <a:ext cx="2329315" cy="462015"/>
+          </a:xfrm>
+          <a:prstGeom prst="rect">
+            <a:avLst/>
+          </a:prstGeom>
+        </p:spPr>
+        <p:style>
+          <a:lnRef idx="2">
+            <a:schemeClr val="dk1"/>
+          </a:lnRef>
+          <a:fillRef idx="1">
+            <a:schemeClr val="lt1"/>
+          </a:fillRef>
+          <a:effectRef idx="0">
+            <a:schemeClr val="dk1"/>
+          </a:effectRef>
+          <a:fontRef idx="minor">
+            <a:schemeClr val="dk1"/>
+          </a:fontRef>
+        </p:style>
+        <p:txBody>
+          <a:bodyPr rtlCol="0" anchor="ctr"/>
+          <a:lstStyle/>
+          <a:p>
+            <a:pPr algn="ctr"/>
+            <a:r>
+              <a:rPr lang="en-US" altLang="zh-CN" dirty="0"/>
+              <a:t>T</a:t>
+            </a:r>
+            <a:r>
+              <a:rPr lang="en-US" altLang="zh-CN" dirty="0" smtClean="0"/>
+              <a:t>X</a:t>
+            </a:r>
+          </a:p>
+        </p:txBody>
+      </p:sp>
+      <p:sp>
+        <p:nvSpPr>
+          <p:cNvPr id="42" name="矩形 41"/>
+          <p:cNvSpPr/>
+          <p:nvPr/>
+        </p:nvSpPr>
+        <p:spPr>
+          <a:xfrm>
+            <a:off x="6073539" y="5534290"/>
+            <a:ext cx="2329315" cy="462015"/>
+          </a:xfrm>
+          <a:prstGeom prst="rect">
+            <a:avLst/>
+          </a:prstGeom>
+        </p:spPr>
+        <p:style>
+          <a:lnRef idx="2">
+            <a:schemeClr val="dk1"/>
+          </a:lnRef>
+          <a:fillRef idx="1">
+            <a:schemeClr val="lt1"/>
+          </a:fillRef>
+          <a:effectRef idx="0">
+            <a:schemeClr val="dk1"/>
+          </a:effectRef>
+          <a:fontRef idx="minor">
+            <a:schemeClr val="dk1"/>
+          </a:fontRef>
+        </p:style>
+        <p:txBody>
+          <a:bodyPr rtlCol="0" anchor="ctr"/>
+          <a:lstStyle/>
+          <a:p>
+            <a:pPr algn="ctr"/>
+            <a:r>
+              <a:rPr lang="en-US" altLang="zh-CN" dirty="0"/>
+              <a:t>T</a:t>
+            </a:r>
+            <a:r>
+              <a:rPr lang="en-US" altLang="zh-CN" dirty="0" smtClean="0"/>
+              <a:t>X</a:t>
+            </a:r>
+          </a:p>
+        </p:txBody>
+      </p:sp>
+      <p:cxnSp>
+        <p:nvCxnSpPr>
+          <p:cNvPr id="43" name="肘形连接符 42"/>
+          <p:cNvCxnSpPr>
+            <a:stCxn id="12" idx="2"/>
+            <a:endCxn id="41" idx="3"/>
+          </p:cNvCxnSpPr>
+          <p:nvPr/>
+        </p:nvCxnSpPr>
+        <p:spPr>
+          <a:xfrm rot="5400000">
+            <a:off x="3861410" y="4891311"/>
+            <a:ext cx="410528" cy="1337911"/>
+          </a:xfrm>
+          <a:prstGeom prst="bentConnector2">
+            <a:avLst/>
+          </a:prstGeom>
+          <a:ln>
+            <a:tailEnd type="triangle"/>
+          </a:ln>
+        </p:spPr>
+        <p:style>
+          <a:lnRef idx="3">
+            <a:schemeClr val="dk1"/>
+          </a:lnRef>
+          <a:fillRef idx="0">
+            <a:schemeClr val="dk1"/>
+          </a:fillRef>
+          <a:effectRef idx="2">
+            <a:schemeClr val="dk1"/>
+          </a:effectRef>
+          <a:fontRef idx="minor">
+            <a:schemeClr val="tx1"/>
+          </a:fontRef>
+        </p:style>
+      </p:cxnSp>
+      <p:cxnSp>
+        <p:nvCxnSpPr>
+          <p:cNvPr id="47" name="肘形连接符 46"/>
+          <p:cNvCxnSpPr/>
+          <p:nvPr/>
+        </p:nvCxnSpPr>
+        <p:spPr>
+          <a:xfrm rot="5400000">
+            <a:off x="3861409" y="4891311"/>
+            <a:ext cx="410528" cy="1337911"/>
+          </a:xfrm>
+          <a:prstGeom prst="bentConnector2">
+            <a:avLst/>
+          </a:prstGeom>
+          <a:ln>
+            <a:tailEnd type="triangle"/>
+          </a:ln>
+        </p:spPr>
+        <p:style>
+          <a:lnRef idx="3">
+            <a:schemeClr val="dk1"/>
+          </a:lnRef>
+          <a:fillRef idx="0">
+            <a:schemeClr val="dk1"/>
+          </a:fillRef>
+          <a:effectRef idx="2">
+            <a:schemeClr val="dk1"/>
+          </a:effectRef>
+          <a:fontRef idx="minor">
+            <a:schemeClr val="tx1"/>
+          </a:fontRef>
+        </p:style>
+      </p:cxnSp>
+      <p:cxnSp>
+        <p:nvCxnSpPr>
+          <p:cNvPr id="48" name="肘形连接符 47"/>
+          <p:cNvCxnSpPr>
+            <a:stCxn id="12" idx="2"/>
+            <a:endCxn id="42" idx="1"/>
+          </p:cNvCxnSpPr>
+          <p:nvPr/>
+        </p:nvCxnSpPr>
+        <p:spPr>
+          <a:xfrm rot="16200000" flipH="1">
+            <a:off x="5199436" y="4891195"/>
+            <a:ext cx="410296" cy="1337910"/>
+          </a:xfrm>
+          <a:prstGeom prst="bentConnector2">
+            <a:avLst/>
+          </a:prstGeom>
+          <a:ln>
+            <a:tailEnd type="triangle"/>
+          </a:ln>
+        </p:spPr>
+        <p:style>
+          <a:lnRef idx="3">
+            <a:schemeClr val="dk1"/>
+          </a:lnRef>
+          <a:fillRef idx="0">
+            <a:schemeClr val="dk1"/>
+          </a:fillRef>
+          <a:effectRef idx="2">
+            <a:schemeClr val="dk1"/>
+          </a:effectRef>
+          <a:fontRef idx="minor">
+            <a:schemeClr val="tx1"/>
+          </a:fontRef>
+        </p:style>
+      </p:cxnSp>
+    </p:spTree>
+    <p:extLst>
+      <p:ext uri="{BB962C8B-B14F-4D97-AF65-F5344CB8AC3E}">
+        <p14:creationId xmlns:p14="http://schemas.microsoft.com/office/powerpoint/2010/main" val="671814678"/>
+      </p:ext>
+    </p:extLst>
+  </p:cSld>
+  <p:clrMapOvr>
+    <a:masterClrMapping/>
+  </p:clrMapOvr>
+</p:sld>
+</file>
+
+<file path=ppt/slides/slide8.xml><?xml version="1.0" encoding="utf-8"?>
+<p:sld xmlns:a="http://schemas.openxmlformats.org/drawingml/2006/main" xmlns:r="http://schemas.openxmlformats.org/officeDocument/2006/relationships" xmlns:p="http://schemas.openxmlformats.org/presentationml/2006/main">
+  <p:cSld>
+    <p:spTree>
+      <p:nvGrpSpPr>
+        <p:cNvPr id="1" name=""/>
+        <p:cNvGrpSpPr/>
+        <p:nvPr/>
+      </p:nvGrpSpPr>
+      <p:grpSpPr>
+        <a:xfrm>
+          <a:off x="0" y="0"/>
+          <a:ext cx="0" cy="0"/>
+          <a:chOff x="0" y="0"/>
+          <a:chExt cx="0" cy="0"/>
+        </a:xfrm>
+      </p:grpSpPr>
+      <p:sp>
+        <p:nvSpPr>
+          <p:cNvPr id="2" name="标题 1"/>
+          <p:cNvSpPr>
+            <a:spLocks noGrp="1"/>
+          </p:cNvSpPr>
+          <p:nvPr>
+            <p:ph type="title"/>
+          </p:nvPr>
+        </p:nvSpPr>
+        <p:spPr/>
+        <p:txBody>
+          <a:bodyPr/>
+          <a:lstStyle/>
+          <a:p>
+            <a:r>
+              <a:rPr lang="en-US" altLang="zh-CN" dirty="0"/>
+              <a:t>Multiple RX/TX</a:t>
+            </a:r>
+            <a:endParaRPr lang="zh-CN" altLang="en-US" dirty="0"/>
+          </a:p>
+        </p:txBody>
+      </p:sp>
+      <p:sp>
+        <p:nvSpPr>
+          <p:cNvPr id="3" name="内容占位符 2"/>
+          <p:cNvSpPr>
+            <a:spLocks noGrp="1"/>
+          </p:cNvSpPr>
+          <p:nvPr>
+            <p:ph idx="1"/>
+          </p:nvPr>
+        </p:nvSpPr>
+        <p:spPr/>
+        <p:txBody>
+          <a:bodyPr>
+            <a:normAutofit/>
+          </a:bodyPr>
+          <a:lstStyle/>
+          <a:p>
+            <a:r>
+              <a:rPr lang="zh-CN" altLang="en-US" dirty="0" smtClean="0"/>
+              <a:t>测试结果：</a:t>
+            </a:r>
+            <a:endParaRPr lang="en-US" altLang="zh-CN" dirty="0" smtClean="0"/>
+          </a:p>
+          <a:p>
+            <a:pPr lvl="1"/>
+            <a:r>
+              <a:rPr lang="zh-CN" altLang="en-US" dirty="0" smtClean="0"/>
+              <a:t>性能不变</a:t>
+            </a:r>
+            <a:endParaRPr lang="en-US" altLang="zh-CN" dirty="0"/>
+          </a:p>
+          <a:p>
+            <a:r>
+              <a:rPr lang="en-US" altLang="zh-CN" dirty="0" smtClean="0"/>
+              <a:t>CPU</a:t>
+            </a:r>
+            <a:r>
+              <a:rPr lang="zh-CN" altLang="en-US" dirty="0" smtClean="0"/>
+              <a:t>不是</a:t>
+            </a:r>
+            <a:r>
+              <a:rPr lang="en-US" altLang="zh-CN" dirty="0" smtClean="0"/>
+              <a:t>RX</a:t>
+            </a:r>
+            <a:r>
+              <a:rPr lang="zh-CN" altLang="en-US" dirty="0" smtClean="0"/>
+              <a:t>的瓶颈。</a:t>
+            </a:r>
+            <a:endParaRPr lang="en-US" altLang="zh-CN" dirty="0" smtClean="0"/>
+          </a:p>
+          <a:p>
+            <a:pPr lvl="1"/>
+            <a:r>
+              <a:rPr lang="zh-CN" altLang="en-US" dirty="0" smtClean="0"/>
+              <a:t>对比</a:t>
+            </a:r>
+            <a:r>
+              <a:rPr lang="en-US" altLang="zh-CN" dirty="0" smtClean="0"/>
+              <a:t>example/distributor</a:t>
+            </a:r>
+            <a:r>
+              <a:rPr lang="zh-CN" altLang="en-US" dirty="0" smtClean="0"/>
+              <a:t>和本程序的参数</a:t>
+            </a:r>
+            <a:endParaRPr lang="en-US" altLang="zh-CN" dirty="0" smtClean="0"/>
+          </a:p>
+          <a:p>
+            <a:pPr lvl="1"/>
+            <a:r>
+              <a:rPr lang="en-US" altLang="zh-CN" dirty="0" smtClean="0"/>
+              <a:t>NUM_MBUFS</a:t>
+            </a:r>
+            <a:r>
+              <a:rPr lang="zh-CN" altLang="en-US" dirty="0" smtClean="0"/>
+              <a:t>宏的大小限制了</a:t>
+            </a:r>
+            <a:r>
+              <a:rPr lang="en-US" altLang="zh-CN" dirty="0" smtClean="0"/>
+              <a:t>RX</a:t>
+            </a:r>
+            <a:r>
+              <a:rPr lang="zh-CN" altLang="en-US" dirty="0" smtClean="0"/>
+              <a:t>的速率。</a:t>
+            </a:r>
+            <a:endParaRPr lang="en-US" altLang="zh-CN" dirty="0" smtClean="0"/>
+          </a:p>
+          <a:p>
+            <a:r>
+              <a:rPr lang="zh-CN" altLang="en-US" dirty="0" smtClean="0"/>
+              <a:t>修改后：</a:t>
+            </a:r>
+            <a:endParaRPr lang="en-US" altLang="zh-CN" dirty="0" smtClean="0"/>
+          </a:p>
+          <a:p>
+            <a:pPr lvl="1"/>
+            <a:r>
+              <a:rPr lang="en-US" altLang="zh-CN" dirty="0" smtClean="0"/>
+              <a:t>20000/20000 </a:t>
+            </a:r>
+            <a:r>
+              <a:rPr lang="en-US" altLang="zh-CN" dirty="0" err="1" smtClean="0"/>
+              <a:t>pkts</a:t>
+            </a:r>
+            <a:endParaRPr lang="en-US" altLang="zh-CN" dirty="0" smtClean="0"/>
+          </a:p>
+          <a:p>
+            <a:pPr lvl="1"/>
+            <a:r>
+              <a:rPr lang="en-US" altLang="zh-CN" dirty="0" smtClean="0"/>
+              <a:t>85000/100000 </a:t>
+            </a:r>
+            <a:r>
+              <a:rPr lang="en-US" altLang="zh-CN" dirty="0" err="1" smtClean="0"/>
+              <a:t>pkts</a:t>
+            </a:r>
+            <a:endParaRPr lang="en-US" altLang="zh-CN" dirty="0" smtClean="0"/>
+          </a:p>
+          <a:p>
+            <a:pPr lvl="1"/>
+            <a:r>
+              <a:rPr lang="en-US" altLang="zh-CN" dirty="0" smtClean="0"/>
+              <a:t>TX</a:t>
+            </a:r>
+            <a:r>
+              <a:rPr lang="zh-CN" altLang="en-US" dirty="0" smtClean="0"/>
+              <a:t>为新的性能瓶颈。</a:t>
+            </a:r>
+            <a:endParaRPr lang="en-US" altLang="zh-CN" dirty="0" smtClean="0"/>
+          </a:p>
+          <a:p>
+            <a:pPr lvl="1"/>
+            <a:endParaRPr lang="en-US" altLang="zh-CN" dirty="0" smtClean="0"/>
+          </a:p>
+          <a:p>
+            <a:pPr lvl="1"/>
+            <a:endParaRPr lang="zh-CN" altLang="en-US" dirty="0"/>
+          </a:p>
+        </p:txBody>
+      </p:sp>
+    </p:spTree>
+    <p:extLst>
+      <p:ext uri="{BB962C8B-B14F-4D97-AF65-F5344CB8AC3E}">
+        <p14:creationId xmlns:p14="http://schemas.microsoft.com/office/powerpoint/2010/main" val="3434189118"/>
+      </p:ext>
+    </p:extLst>
+  </p:cSld>
+  <p:clrMapOvr>
+    <a:masterClrMapping/>
+  </p:clrMapOvr>
+</p:sld>
+</file>
+
+<file path=ppt/slides/slide9.xml><?xml version="1.0" encoding="utf-8"?>
+<p:sld xmlns:a="http://schemas.openxmlformats.org/drawingml/2006/main" xmlns:r="http://schemas.openxmlformats.org/officeDocument/2006/relationships" xmlns:p="http://schemas.openxmlformats.org/presentationml/2006/main">
+  <p:cSld>
+    <p:spTree>
+      <p:nvGrpSpPr>
+        <p:cNvPr id="1" name=""/>
+        <p:cNvGrpSpPr/>
+        <p:nvPr/>
+      </p:nvGrpSpPr>
+      <p:grpSpPr>
+        <a:xfrm>
+          <a:off x="0" y="0"/>
+          <a:ext cx="0" cy="0"/>
+          <a:chOff x="0" y="0"/>
+          <a:chExt cx="0" cy="0"/>
+        </a:xfrm>
+      </p:grpSpPr>
+      <p:sp>
+        <p:nvSpPr>
+          <p:cNvPr id="2" name="标题 1"/>
+          <p:cNvSpPr>
+            <a:spLocks noGrp="1"/>
+          </p:cNvSpPr>
+          <p:nvPr>
+            <p:ph type="title"/>
+          </p:nvPr>
+        </p:nvSpPr>
+        <p:spPr/>
+        <p:txBody>
+          <a:bodyPr/>
+          <a:lstStyle/>
+          <a:p>
+            <a:r>
+              <a:rPr lang="en-US" altLang="zh-CN" dirty="0"/>
+              <a:t>TX Retry and TX </a:t>
+            </a:r>
+            <a:r>
+              <a:rPr lang="en-US" altLang="zh-CN" dirty="0" smtClean="0"/>
+              <a:t>Pause</a:t>
+            </a:r>
+            <a:endParaRPr lang="zh-CN" altLang="en-US" dirty="0"/>
+          </a:p>
+        </p:txBody>
+      </p:sp>
+      <p:sp>
+        <p:nvSpPr>
+          <p:cNvPr id="3" name="内容占位符 2"/>
+          <p:cNvSpPr>
+            <a:spLocks noGrp="1"/>
+          </p:cNvSpPr>
+          <p:nvPr>
+            <p:ph idx="1"/>
+          </p:nvPr>
+        </p:nvSpPr>
+        <p:spPr/>
+        <p:txBody>
+          <a:bodyPr/>
+          <a:lstStyle/>
+          <a:p>
+            <a:r>
+              <a:rPr lang="en-US" altLang="zh-CN" dirty="0" smtClean="0"/>
+              <a:t>worker</a:t>
+            </a:r>
+            <a:r>
+              <a:rPr lang="zh-CN" altLang="en-US" dirty="0" smtClean="0"/>
+              <a:t>到</a:t>
+            </a:r>
+            <a:r>
+              <a:rPr lang="en-US" altLang="zh-CN" dirty="0" smtClean="0"/>
+              <a:t>TX</a:t>
+            </a:r>
+            <a:r>
+              <a:rPr lang="zh-CN" altLang="en-US" dirty="0" smtClean="0"/>
+              <a:t>的缓冲区没有丢包。</a:t>
+            </a:r>
+            <a:endParaRPr lang="en-US" altLang="zh-CN" dirty="0" smtClean="0"/>
+          </a:p>
+          <a:p>
+            <a:endParaRPr lang="en-US" altLang="zh-CN" dirty="0"/>
+          </a:p>
+          <a:p>
+            <a:r>
+              <a:rPr lang="zh-CN" altLang="en-US" dirty="0" smtClean="0"/>
+              <a:t>打印中间结果观察：</a:t>
+            </a:r>
+            <a:endParaRPr lang="en-US" altLang="zh-CN" dirty="0" smtClean="0"/>
+          </a:p>
+          <a:p>
+            <a:pPr lvl="1"/>
+            <a:r>
+              <a:rPr lang="zh-CN" altLang="en-US" dirty="0" smtClean="0"/>
+              <a:t>出现一些</a:t>
+            </a:r>
+            <a:r>
+              <a:rPr lang="en-US" altLang="zh-CN" dirty="0" err="1" smtClean="0"/>
+              <a:t>rte_eth_tx_burst</a:t>
+            </a:r>
+            <a:r>
+              <a:rPr lang="zh-CN" altLang="en-US" dirty="0" smtClean="0"/>
+              <a:t>时，所有包都发送失败</a:t>
+            </a:r>
+            <a:endParaRPr lang="en-US" altLang="zh-CN" dirty="0" smtClean="0"/>
+          </a:p>
+          <a:p>
+            <a:pPr lvl="1"/>
+            <a:r>
+              <a:rPr lang="zh-CN" altLang="en-US" dirty="0" smtClean="0"/>
+              <a:t>打印中间结果时，性能反而较好，达到</a:t>
+            </a:r>
+            <a:r>
+              <a:rPr lang="en-US" altLang="zh-CN" dirty="0" smtClean="0"/>
+              <a:t>95000/100000 </a:t>
+            </a:r>
+            <a:r>
+              <a:rPr lang="en-US" altLang="zh-CN" dirty="0" err="1" smtClean="0"/>
+              <a:t>pkts</a:t>
+            </a:r>
+            <a:endParaRPr lang="en-US" altLang="zh-CN" dirty="0" smtClean="0"/>
+          </a:p>
+          <a:p>
+            <a:endParaRPr lang="en-US" altLang="zh-CN" dirty="0"/>
+          </a:p>
+          <a:p>
+            <a:r>
+              <a:rPr lang="zh-CN" altLang="en-US" dirty="0" smtClean="0"/>
+              <a:t>用</a:t>
+            </a:r>
+            <a:r>
+              <a:rPr lang="en-US" altLang="zh-CN" dirty="0" smtClean="0"/>
+              <a:t>examples/distributor</a:t>
+            </a:r>
+            <a:r>
+              <a:rPr lang="zh-CN" altLang="en-US" dirty="0" smtClean="0"/>
+              <a:t>做相同实验</a:t>
+            </a:r>
+            <a:endParaRPr lang="en-US" altLang="zh-CN" dirty="0" smtClean="0"/>
+          </a:p>
+          <a:p>
+            <a:pPr lvl="1"/>
+            <a:r>
+              <a:rPr lang="zh-CN" altLang="en-US" dirty="0" smtClean="0"/>
+              <a:t>出现类似现象。</a:t>
+            </a:r>
+            <a:endParaRPr lang="en-US" altLang="zh-CN" dirty="0" smtClean="0"/>
+          </a:p>
+        </p:txBody>
+      </p:sp>
+    </p:spTree>
+    <p:extLst>
+      <p:ext uri="{BB962C8B-B14F-4D97-AF65-F5344CB8AC3E}">
+        <p14:creationId xmlns:p14="http://schemas.microsoft.com/office/powerpoint/2010/main" val="172736371"/>
       </p:ext>
     </p:extLst>
   </p:cSld>

--- a/report/lab4/第四阶段_邓龙.pptx
+++ b/report/lab4/第四阶段_邓龙.pptx
@@ -17,6 +17,8 @@
     <p:sldId id="265" r:id="rId11"/>
     <p:sldId id="266" r:id="rId12"/>
     <p:sldId id="267" r:id="rId13"/>
+    <p:sldId id="268" r:id="rId14"/>
+    <p:sldId id="269" r:id="rId15"/>
   </p:sldIdLst>
   <p:sldSz cx="12192000" cy="6858000"/>
   <p:notesSz cx="6858000" cy="9144000"/>
@@ -3634,6 +3636,342 @@
 </p:sld>
 </file>
 
+<file path=ppt/slides/slide13.xml><?xml version="1.0" encoding="utf-8"?>
+<p:sld xmlns:a="http://schemas.openxmlformats.org/drawingml/2006/main" xmlns:r="http://schemas.openxmlformats.org/officeDocument/2006/relationships" xmlns:p="http://schemas.openxmlformats.org/presentationml/2006/main">
+  <p:cSld>
+    <p:spTree>
+      <p:nvGrpSpPr>
+        <p:cNvPr id="1" name=""/>
+        <p:cNvGrpSpPr/>
+        <p:nvPr/>
+      </p:nvGrpSpPr>
+      <p:grpSpPr>
+        <a:xfrm>
+          <a:off x="0" y="0"/>
+          <a:ext cx="0" cy="0"/>
+          <a:chOff x="0" y="0"/>
+          <a:chExt cx="0" cy="0"/>
+        </a:xfrm>
+      </p:grpSpPr>
+      <p:sp>
+        <p:nvSpPr>
+          <p:cNvPr id="2" name="标题 1"/>
+          <p:cNvSpPr>
+            <a:spLocks noGrp="1"/>
+          </p:cNvSpPr>
+          <p:nvPr>
+            <p:ph type="title"/>
+          </p:nvPr>
+        </p:nvSpPr>
+        <p:spPr/>
+        <p:txBody>
+          <a:bodyPr/>
+          <a:lstStyle/>
+          <a:p>
+            <a:r>
+              <a:rPr lang="zh-CN" altLang="en-US" dirty="0" smtClean="0"/>
+              <a:t>总结和展望</a:t>
+            </a:r>
+            <a:endParaRPr lang="zh-CN" altLang="en-US" dirty="0"/>
+          </a:p>
+        </p:txBody>
+      </p:sp>
+      <p:sp>
+        <p:nvSpPr>
+          <p:cNvPr id="3" name="内容占位符 2"/>
+          <p:cNvSpPr>
+            <a:spLocks noGrp="1"/>
+          </p:cNvSpPr>
+          <p:nvPr>
+            <p:ph idx="1"/>
+          </p:nvPr>
+        </p:nvSpPr>
+        <p:spPr/>
+        <p:txBody>
+          <a:bodyPr>
+            <a:normAutofit/>
+          </a:bodyPr>
+          <a:lstStyle/>
+          <a:p>
+            <a:r>
+              <a:rPr lang="en-US" altLang="zh-CN" dirty="0" smtClean="0"/>
+              <a:t>x86</a:t>
+            </a:r>
+            <a:r>
+              <a:rPr lang="zh-CN" altLang="en-US" dirty="0" smtClean="0"/>
+              <a:t>的</a:t>
+            </a:r>
+            <a:r>
+              <a:rPr lang="en-US" altLang="zh-CN" dirty="0" smtClean="0"/>
+              <a:t>CPU</a:t>
+            </a:r>
+            <a:r>
+              <a:rPr lang="zh-CN" altLang="en-US" dirty="0" smtClean="0"/>
+              <a:t>、内存等资源充足，方法合适时能够有效处理高速网络上的大量包。</a:t>
+            </a:r>
+            <a:r>
+              <a:rPr lang="zh-CN" altLang="en-US" dirty="0"/>
+              <a:t>合理应用</a:t>
+            </a:r>
+            <a:r>
+              <a:rPr lang="en-US" altLang="zh-CN" dirty="0"/>
+              <a:t>DPDK</a:t>
+            </a:r>
+            <a:r>
+              <a:rPr lang="zh-CN" altLang="en-US" dirty="0"/>
+              <a:t>可以充分发挥网络设备的性能</a:t>
+            </a:r>
+            <a:r>
+              <a:rPr lang="zh-CN" altLang="en-US" dirty="0" smtClean="0"/>
+              <a:t>。</a:t>
+            </a:r>
+            <a:endParaRPr lang="en-US" altLang="zh-CN" dirty="0" smtClean="0"/>
+          </a:p>
+          <a:p>
+            <a:r>
+              <a:rPr lang="en-US" altLang="zh-CN" dirty="0" smtClean="0"/>
+              <a:t>TODO</a:t>
+            </a:r>
+            <a:r>
+              <a:rPr lang="zh-CN" altLang="en-US" dirty="0" smtClean="0"/>
+              <a:t>：</a:t>
+            </a:r>
+            <a:endParaRPr lang="en-US" altLang="zh-CN" dirty="0" smtClean="0"/>
+          </a:p>
+          <a:p>
+            <a:pPr lvl="1"/>
+            <a:r>
+              <a:rPr lang="zh-CN" altLang="en-US" dirty="0"/>
+              <a:t>使用多个</a:t>
+            </a:r>
+            <a:r>
+              <a:rPr lang="en-US" altLang="zh-CN" dirty="0"/>
+              <a:t>RX</a:t>
+            </a:r>
+            <a:r>
+              <a:rPr lang="zh-CN" altLang="en-US" dirty="0"/>
+              <a:t>、</a:t>
+            </a:r>
+            <a:r>
+              <a:rPr lang="en-US" altLang="zh-CN" dirty="0"/>
+              <a:t>TX</a:t>
+            </a:r>
+            <a:r>
+              <a:rPr lang="zh-CN" altLang="en-US" dirty="0"/>
+              <a:t>核时，也使用多个</a:t>
+            </a:r>
+            <a:r>
+              <a:rPr lang="en-US" altLang="zh-CN" dirty="0" err="1"/>
+              <a:t>rte_ring</a:t>
+            </a:r>
+            <a:r>
+              <a:rPr lang="zh-CN" altLang="en-US" dirty="0"/>
+              <a:t>，让</a:t>
+            </a:r>
+            <a:r>
+              <a:rPr lang="en-US" altLang="zh-CN" dirty="0"/>
+              <a:t>ring</a:t>
+            </a:r>
+            <a:r>
+              <a:rPr lang="zh-CN" altLang="en-US" dirty="0"/>
+              <a:t>的收发不成为</a:t>
+            </a:r>
+            <a:r>
+              <a:rPr lang="zh-CN" altLang="en-US" dirty="0" smtClean="0"/>
+              <a:t>瓶颈</a:t>
+            </a:r>
+            <a:r>
+              <a:rPr lang="zh-CN" altLang="en-US" dirty="0"/>
+              <a:t>。</a:t>
+            </a:r>
+            <a:r>
+              <a:rPr lang="zh-CN" altLang="en-US" dirty="0" smtClean="0"/>
+              <a:t>（在</a:t>
+            </a:r>
+            <a:r>
+              <a:rPr lang="en-US" altLang="zh-CN" dirty="0" smtClean="0"/>
+              <a:t>distributor</a:t>
+            </a:r>
+            <a:r>
+              <a:rPr lang="zh-CN" altLang="en-US" dirty="0" smtClean="0"/>
+              <a:t>实验时，发现</a:t>
+            </a:r>
+            <a:r>
+              <a:rPr lang="en-US" altLang="zh-CN" dirty="0" smtClean="0"/>
+              <a:t>distributor</a:t>
+            </a:r>
+            <a:r>
+              <a:rPr lang="zh-CN" altLang="en-US" dirty="0" smtClean="0"/>
+              <a:t>会成为瓶颈。增加</a:t>
+            </a:r>
+            <a:r>
+              <a:rPr lang="en-US" altLang="zh-CN" dirty="0" smtClean="0"/>
+              <a:t>worker</a:t>
+            </a:r>
+            <a:r>
+              <a:rPr lang="zh-CN" altLang="en-US" dirty="0" smtClean="0"/>
+              <a:t>数量，</a:t>
+            </a:r>
+            <a:r>
+              <a:rPr lang="en-US" altLang="zh-CN" dirty="0" smtClean="0"/>
+              <a:t>ring</a:t>
+            </a:r>
+            <a:r>
+              <a:rPr lang="zh-CN" altLang="en-US" dirty="0" smtClean="0"/>
+              <a:t>的性能也会成为瓶颈。） </a:t>
+            </a:r>
+            <a:endParaRPr lang="zh-CN" altLang="en-US" dirty="0"/>
+          </a:p>
+          <a:p>
+            <a:pPr lvl="1"/>
+            <a:r>
+              <a:rPr lang="en-US" altLang="zh-CN" dirty="0" err="1" smtClean="0"/>
+              <a:t>SimpleDNS</a:t>
+            </a:r>
+            <a:r>
+              <a:rPr lang="zh-CN" altLang="en-US" dirty="0" smtClean="0"/>
+              <a:t>的优化。（或把</a:t>
+            </a:r>
+            <a:r>
+              <a:rPr lang="en-US" altLang="zh-CN" dirty="0" err="1" smtClean="0"/>
+              <a:t>SimpleDNS</a:t>
+            </a:r>
+            <a:r>
+              <a:rPr lang="zh-CN" altLang="en-US" dirty="0" smtClean="0"/>
+              <a:t>的工作拆解成多个部分，重新设计</a:t>
+            </a:r>
+            <a:r>
+              <a:rPr lang="en-US" altLang="zh-CN" dirty="0" smtClean="0"/>
+              <a:t>pipeline</a:t>
+            </a:r>
+            <a:r>
+              <a:rPr lang="zh-CN" altLang="en-US" dirty="0" smtClean="0"/>
+              <a:t>）</a:t>
+            </a:r>
+            <a:endParaRPr lang="en-US" altLang="zh-CN" dirty="0" smtClean="0"/>
+          </a:p>
+          <a:p>
+            <a:pPr lvl="1"/>
+            <a:r>
+              <a:rPr lang="zh-CN" altLang="en-US" dirty="0" smtClean="0"/>
+              <a:t>参数解析、日志、包速率测量等辅助功能</a:t>
+            </a:r>
+            <a:r>
+              <a:rPr lang="zh-CN" altLang="en-US" dirty="0" smtClean="0"/>
+              <a:t>。</a:t>
+            </a:r>
+            <a:endParaRPr lang="en-US" altLang="zh-CN" dirty="0" smtClean="0"/>
+          </a:p>
+          <a:p>
+            <a:r>
+              <a:rPr lang="zh-CN" altLang="en-US" dirty="0" smtClean="0"/>
+              <a:t>所有代码已开源：</a:t>
+            </a:r>
+            <a:r>
+              <a:rPr lang="en-US" altLang="zh-CN" dirty="0">
+                <a:hlinkClick r:id="rId2"/>
+              </a:rPr>
+              <a:t>https://</a:t>
+            </a:r>
+            <a:r>
+              <a:rPr lang="en-US" altLang="zh-CN" dirty="0" smtClean="0">
+                <a:hlinkClick r:id="rId2"/>
+              </a:rPr>
+              <a:t>github.com/ldeng-ustc/netalgo-lab</a:t>
+            </a:r>
+            <a:endParaRPr lang="en-US" altLang="zh-CN" dirty="0" smtClean="0"/>
+          </a:p>
+          <a:p>
+            <a:pPr lvl="1"/>
+            <a:endParaRPr lang="en-US" altLang="zh-CN" dirty="0"/>
+          </a:p>
+        </p:txBody>
+      </p:sp>
+    </p:spTree>
+    <p:extLst>
+      <p:ext uri="{BB962C8B-B14F-4D97-AF65-F5344CB8AC3E}">
+        <p14:creationId xmlns:p14="http://schemas.microsoft.com/office/powerpoint/2010/main" val="2063097201"/>
+      </p:ext>
+    </p:extLst>
+  </p:cSld>
+  <p:clrMapOvr>
+    <a:masterClrMapping/>
+  </p:clrMapOvr>
+</p:sld>
+</file>
+
+<file path=ppt/slides/slide14.xml><?xml version="1.0" encoding="utf-8"?>
+<p:sld xmlns:a="http://schemas.openxmlformats.org/drawingml/2006/main" xmlns:r="http://schemas.openxmlformats.org/officeDocument/2006/relationships" xmlns:p="http://schemas.openxmlformats.org/presentationml/2006/main">
+  <p:cSld>
+    <p:spTree>
+      <p:nvGrpSpPr>
+        <p:cNvPr id="1" name=""/>
+        <p:cNvGrpSpPr/>
+        <p:nvPr/>
+      </p:nvGrpSpPr>
+      <p:grpSpPr>
+        <a:xfrm>
+          <a:off x="0" y="0"/>
+          <a:ext cx="0" cy="0"/>
+          <a:chOff x="0" y="0"/>
+          <a:chExt cx="0" cy="0"/>
+        </a:xfrm>
+      </p:grpSpPr>
+      <p:sp>
+        <p:nvSpPr>
+          <p:cNvPr id="4" name="标题 3"/>
+          <p:cNvSpPr>
+            <a:spLocks noGrp="1"/>
+          </p:cNvSpPr>
+          <p:nvPr>
+            <p:ph type="ctrTitle"/>
+          </p:nvPr>
+        </p:nvSpPr>
+        <p:spPr/>
+        <p:txBody>
+          <a:bodyPr/>
+          <a:lstStyle/>
+          <a:p>
+            <a:r>
+              <a:rPr lang="zh-CN" altLang="en-US" dirty="0" smtClean="0"/>
+              <a:t>谢谢大家</a:t>
+            </a:r>
+            <a:endParaRPr lang="zh-CN" altLang="en-US" dirty="0"/>
+          </a:p>
+        </p:txBody>
+      </p:sp>
+      <p:sp>
+        <p:nvSpPr>
+          <p:cNvPr id="5" name="副标题 4"/>
+          <p:cNvSpPr>
+            <a:spLocks noGrp="1"/>
+          </p:cNvSpPr>
+          <p:nvPr>
+            <p:ph type="subTitle" idx="1"/>
+          </p:nvPr>
+        </p:nvSpPr>
+        <p:spPr/>
+        <p:txBody>
+          <a:bodyPr/>
+          <a:lstStyle/>
+          <a:p>
+            <a:endParaRPr lang="zh-CN" altLang="en-US"/>
+          </a:p>
+        </p:txBody>
+      </p:sp>
+    </p:spTree>
+    <p:extLst>
+      <p:ext uri="{BB962C8B-B14F-4D97-AF65-F5344CB8AC3E}">
+        <p14:creationId xmlns:p14="http://schemas.microsoft.com/office/powerpoint/2010/main" val="1265196213"/>
+      </p:ext>
+    </p:extLst>
+  </p:cSld>
+  <p:clrMapOvr>
+    <a:masterClrMapping/>
+  </p:clrMapOvr>
+</p:sld>
+</file>
+
 <file path=ppt/slides/slide2.xml><?xml version="1.0" encoding="utf-8"?>
 <p:sld xmlns:a="http://schemas.openxmlformats.org/drawingml/2006/main" xmlns:r="http://schemas.openxmlformats.org/officeDocument/2006/relationships" xmlns:p="http://schemas.openxmlformats.org/presentationml/2006/main">
   <p:cSld>
@@ -3670,7 +4008,6 @@
               <a:rPr lang="zh-CN" altLang="en-US" dirty="0"/>
               <a:t>目录</a:t>
             </a:r>
-            <a:endParaRPr lang="zh-CN" altLang="en-US" dirty="0"/>
           </a:p>
         </p:txBody>
       </p:sp>
